--- a/BuildingDeployingMVC4.pptx
+++ b/BuildingDeployingMVC4.pptx
@@ -6,21 +6,22 @@
     <p:sldMasterId id="2147483779" r:id="rId5"/>
   </p:sldMasterIdLst>
   <p:notesMasterIdLst>
-    <p:notesMasterId r:id="rId10"/>
+    <p:notesMasterId r:id="rId11"/>
   </p:notesMasterIdLst>
   <p:handoutMasterIdLst>
-    <p:handoutMasterId r:id="rId11"/>
+    <p:handoutMasterId r:id="rId12"/>
   </p:handoutMasterIdLst>
   <p:sldIdLst>
     <p:sldId id="296" r:id="rId6"/>
     <p:sldId id="293" r:id="rId7"/>
     <p:sldId id="257" r:id="rId8"/>
-    <p:sldId id="292" r:id="rId9"/>
+    <p:sldId id="297" r:id="rId9"/>
+    <p:sldId id="292" r:id="rId10"/>
   </p:sldIdLst>
   <p:sldSz cx="12188825" cy="6858000"/>
   <p:notesSz cx="6858000" cy="9296400"/>
   <p:custDataLst>
-    <p:tags r:id="rId12"/>
+    <p:tags r:id="rId13"/>
   </p:custDataLst>
   <p:defaultTextStyle>
     <a:defPPr>
@@ -267,7 +268,7 @@
               <a:rPr lang="en-US" smtClean="0">
                 <a:latin typeface="Segoe UI" pitchFamily="34" charset="0"/>
               </a:rPr>
-              <a:t>11/8/2012</a:t>
+              <a:t>11/20/2012</a:t>
             </a:fld>
             <a:endParaRPr lang="en-US" dirty="0">
               <a:latin typeface="Segoe UI" pitchFamily="34" charset="0"/>
@@ -449,7 +450,7 @@
             <a:fld id="{CAE3F082-F902-42D8-A765-720E172C3194}" type="datetimeFigureOut">
               <a:rPr lang="en-US" smtClean="0"/>
               <a:pPr/>
-              <a:t>11/8/2012</a:t>
+              <a:t>11/20/2012</a:t>
             </a:fld>
             <a:endParaRPr lang="en-US" dirty="0"/>
           </a:p>
@@ -14276,7 +14277,7 @@
           <a:graphicData uri="http://schemas.openxmlformats.org/presentationml/2006/ole">
             <mc:AlternateContent xmlns:mc="http://schemas.openxmlformats.org/markup-compatibility/2006">
               <mc:Choice xmlns:v="urn:schemas-microsoft-com:vml" Requires="v">
-                <p:oleObj spid="_x0000_s59486" name="think-cell Slide" r:id="rId4" imgW="270" imgH="270" progId="TCLayout.ActiveDocument.1">
+                <p:oleObj spid="_x0000_s59489" name="think-cell Slide" r:id="rId4" imgW="270" imgH="270" progId="TCLayout.ActiveDocument.1">
                   <p:embed/>
                 </p:oleObj>
               </mc:Choice>
@@ -14333,11 +14334,7 @@
           <a:p>
             <a:r>
               <a:rPr lang="en-US" sz="6000" dirty="0" smtClean="0"/>
-              <a:t>Building </a:t>
-            </a:r>
-            <a:r>
-              <a:rPr lang="en-US" sz="6000" dirty="0" smtClean="0"/>
-              <a:t>and Deploying Websites with ASP.NET MVC 4</a:t>
+              <a:t>Building and Deploying Websites with ASP.NET MVC 4</a:t>
             </a:r>
             <a:endParaRPr lang="en-US" sz="6000" dirty="0"/>
           </a:p>
@@ -14452,7 +14449,7 @@
           <a:graphicData uri="http://schemas.openxmlformats.org/presentationml/2006/ole">
             <mc:AlternateContent xmlns:mc="http://schemas.openxmlformats.org/markup-compatibility/2006">
               <mc:Choice xmlns:v="urn:schemas-microsoft-com:vml" Requires="v">
-                <p:oleObj spid="_x0000_s23651" name="think-cell Slide" r:id="rId6" imgW="270" imgH="270" progId="TCLayout.ActiveDocument.1">
+                <p:oleObj spid="_x0000_s23654" name="think-cell Slide" r:id="rId6" imgW="270" imgH="270" progId="TCLayout.ActiveDocument.1">
                   <p:embed/>
                 </p:oleObj>
               </mc:Choice>
@@ -14528,15 +14525,87 @@
         </p:nvSpPr>
         <p:spPr>
           <a:xfrm>
-            <a:off x="3473804" y="3641568"/>
-            <a:ext cx="6945312" cy="794064"/>
+            <a:off x="3473803" y="1591775"/>
+            <a:ext cx="8194321" cy="4893647"/>
           </a:xfrm>
         </p:spPr>
         <p:txBody>
           <a:bodyPr/>
           <a:lstStyle/>
           <a:p>
-            <a:endParaRPr lang="en-US" dirty="0"/>
+            <a:pPr lvl="0"/>
+            <a:r>
+              <a:rPr lang="en-US" sz="4000" dirty="0"/>
+              <a:t>Introduction to ASP.NET </a:t>
+            </a:r>
+            <a:r>
+              <a:rPr lang="en-US" sz="4000" dirty="0" smtClean="0"/>
+              <a:t>MVC</a:t>
+            </a:r>
+            <a:endParaRPr lang="en-US" sz="4000" dirty="0"/>
+          </a:p>
+          <a:p>
+            <a:pPr lvl="0"/>
+            <a:r>
+              <a:rPr lang="en-US" sz="4000" dirty="0" smtClean="0"/>
+              <a:t>Creating a new ASP.NET MVC site</a:t>
+            </a:r>
+            <a:endParaRPr lang="en-US" sz="4000" dirty="0"/>
+          </a:p>
+          <a:p>
+            <a:pPr lvl="0"/>
+            <a:r>
+              <a:rPr lang="en-US" sz="4000" dirty="0"/>
+              <a:t>Adding a </a:t>
+            </a:r>
+            <a:r>
+              <a:rPr lang="en-US" sz="4000" dirty="0" smtClean="0"/>
+              <a:t>model </a:t>
+            </a:r>
+            <a:r>
+              <a:rPr lang="en-US" sz="4000" dirty="0"/>
+              <a:t>/ view / </a:t>
+            </a:r>
+            <a:r>
+              <a:rPr lang="en-US" sz="4000" dirty="0" smtClean="0"/>
+              <a:t>controller</a:t>
+            </a:r>
+            <a:endParaRPr lang="en-US" sz="4000" dirty="0"/>
+          </a:p>
+          <a:p>
+            <a:pPr lvl="0"/>
+            <a:r>
+              <a:rPr lang="en-US" sz="4000" dirty="0"/>
+              <a:t>Entity Framework Code </a:t>
+            </a:r>
+            <a:r>
+              <a:rPr lang="en-US" sz="4000" dirty="0" smtClean="0"/>
+              <a:t>First</a:t>
+            </a:r>
+            <a:endParaRPr lang="en-US" sz="4000" dirty="0"/>
+          </a:p>
+          <a:p>
+            <a:pPr lvl="0"/>
+            <a:r>
+              <a:rPr lang="en-US" sz="4000" dirty="0"/>
+              <a:t>Deploying to Windows Azure Web </a:t>
+            </a:r>
+            <a:r>
+              <a:rPr lang="en-US" sz="4000" dirty="0" smtClean="0"/>
+              <a:t>Sites</a:t>
+            </a:r>
+            <a:endParaRPr lang="en-US" sz="4000" dirty="0"/>
+          </a:p>
+          <a:p>
+            <a:r>
+              <a:rPr lang="en-US" sz="4000" dirty="0"/>
+              <a:t>Entity Framework </a:t>
+            </a:r>
+            <a:r>
+              <a:rPr lang="en-US" sz="4000" dirty="0" smtClean="0"/>
+              <a:t>Migrations</a:t>
+            </a:r>
+            <a:endParaRPr lang="en-US" sz="4000" dirty="0"/>
           </a:p>
         </p:txBody>
       </p:sp>
@@ -14589,6 +14658,81 @@
           <a:chExt cx="0" cy="0"/>
         </a:xfrm>
       </p:grpSpPr>
+      <p:sp>
+        <p:nvSpPr>
+          <p:cNvPr id="4" name="Title 3"/>
+          <p:cNvSpPr>
+            <a:spLocks noGrp="1"/>
+          </p:cNvSpPr>
+          <p:nvPr>
+            <p:ph type="title"/>
+          </p:nvPr>
+        </p:nvSpPr>
+        <p:spPr/>
+        <p:txBody>
+          <a:bodyPr/>
+          <a:lstStyle/>
+          <a:p>
+            <a:r>
+              <a:rPr lang="en-US" dirty="0" smtClean="0"/>
+              <a:t>Introduction to ASP.NET MVC</a:t>
+            </a:r>
+            <a:endParaRPr lang="en-US" dirty="0"/>
+          </a:p>
+        </p:txBody>
+      </p:sp>
+      <p:sp>
+        <p:nvSpPr>
+          <p:cNvPr id="5" name="Text Placeholder 4"/>
+          <p:cNvSpPr>
+            <a:spLocks noGrp="1"/>
+          </p:cNvSpPr>
+          <p:nvPr>
+            <p:ph type="body" sz="quarter" idx="10"/>
+          </p:nvPr>
+        </p:nvSpPr>
+        <p:spPr/>
+        <p:txBody>
+          <a:bodyPr/>
+          <a:lstStyle/>
+          <a:p>
+            <a:endParaRPr lang="en-US"/>
+          </a:p>
+        </p:txBody>
+      </p:sp>
+    </p:spTree>
+    <p:extLst>
+      <p:ext uri="{BB962C8B-B14F-4D97-AF65-F5344CB8AC3E}">
+        <p14:creationId xmlns:p14="http://schemas.microsoft.com/office/powerpoint/2010/main" val="2934030091"/>
+      </p:ext>
+    </p:extLst>
+  </p:cSld>
+  <p:clrMapOvr>
+    <a:masterClrMapping/>
+  </p:clrMapOvr>
+  <p:transition>
+    <p:fade/>
+  </p:transition>
+</p:sld>
+</file>
+
+<file path=ppt/slides/slide5.xml><?xml version="1.0" encoding="utf-8"?>
+<p:sld xmlns:a="http://schemas.openxmlformats.org/drawingml/2006/main" xmlns:r="http://schemas.openxmlformats.org/officeDocument/2006/relationships" xmlns:p="http://schemas.openxmlformats.org/presentationml/2006/main">
+  <p:cSld>
+    <p:spTree>
+      <p:nvGrpSpPr>
+        <p:cNvPr id="1" name=""/>
+        <p:cNvGrpSpPr/>
+        <p:nvPr/>
+      </p:nvGrpSpPr>
+      <p:grpSpPr>
+        <a:xfrm>
+          <a:off x="0" y="0"/>
+          <a:ext cx="0" cy="0"/>
+          <a:chOff x="0" y="0"/>
+          <a:chExt cx="0" cy="0"/>
+        </a:xfrm>
+      </p:grpSpPr>
       <p:graphicFrame>
         <p:nvGraphicFramePr>
           <p:cNvPr id="2" name="Object 1" hidden="1"/>
@@ -14614,7 +14758,7 @@
           <a:graphicData uri="http://schemas.openxmlformats.org/presentationml/2006/ole">
             <mc:AlternateContent xmlns:mc="http://schemas.openxmlformats.org/markup-compatibility/2006">
               <mc:Choice xmlns:v="urn:schemas-microsoft-com:vml" Requires="v">
-                <p:oleObj spid="_x0000_s58466" name="think-cell Slide" r:id="rId4" imgW="270" imgH="270" progId="TCLayout.ActiveDocument.1">
+                <p:oleObj spid="_x0000_s58469" name="think-cell Slide" r:id="rId4" imgW="270" imgH="270" progId="TCLayout.ActiveDocument.1">
                   <p:embed/>
                 </p:oleObj>
               </mc:Choice>
@@ -15923,14 +16067,12 @@
 </file>
 
 <file path=customXml/item1.xml><?xml version="1.0" encoding="utf-8"?>
-<p:properties xmlns:p="http://schemas.microsoft.com/office/2006/metadata/properties" xmlns:xsi="http://www.w3.org/2001/XMLSchema-instance" xmlns:pc="http://schemas.microsoft.com/office/infopath/2007/PartnerControls">
-  <documentManagement>
-    <TaxKeywordTaxHTField xmlns="230e9df3-be65-4c73-a93b-d1236ebd677e">
-      <Terms xmlns="http://schemas.microsoft.com/office/infopath/2007/PartnerControls"/>
-    </TaxKeywordTaxHTField>
-    <TaxCatchAll xmlns="230e9df3-be65-4c73-a93b-d1236ebd677e"/>
-  </documentManagement>
-</p:properties>
+<?mso-contentType ?>
+<FormTemplates xmlns="http://schemas.microsoft.com/sharepoint/v3/contenttype/forms">
+  <Display>DocumentLibraryForm</Display>
+  <Edit>DocumentLibraryForm</Edit>
+  <New>DocumentLibraryForm</New>
+</FormTemplates>
 </file>
 
 <file path=customXml/item2.xml><?xml version="1.0" encoding="utf-8"?>
@@ -16086,26 +16228,20 @@
 </file>
 
 <file path=customXml/item3.xml><?xml version="1.0" encoding="utf-8"?>
-<?mso-contentType ?>
-<FormTemplates xmlns="http://schemas.microsoft.com/sharepoint/v3/contenttype/forms">
-  <Display>DocumentLibraryForm</Display>
-  <Edit>DocumentLibraryForm</Edit>
-  <New>DocumentLibraryForm</New>
-</FormTemplates>
+<p:properties xmlns:p="http://schemas.microsoft.com/office/2006/metadata/properties" xmlns:xsi="http://www.w3.org/2001/XMLSchema-instance" xmlns:pc="http://schemas.microsoft.com/office/infopath/2007/PartnerControls">
+  <documentManagement>
+    <TaxKeywordTaxHTField xmlns="230e9df3-be65-4c73-a93b-d1236ebd677e">
+      <Terms xmlns="http://schemas.microsoft.com/office/infopath/2007/PartnerControls"/>
+    </TaxKeywordTaxHTField>
+    <TaxCatchAll xmlns="230e9df3-be65-4c73-a93b-d1236ebd677e"/>
+  </documentManagement>
+</p:properties>
 </file>
 
 <file path=customXml/itemProps1.xml><?xml version="1.0" encoding="utf-8"?>
-<ds:datastoreItem xmlns:ds="http://schemas.openxmlformats.org/officeDocument/2006/customXml" ds:itemID="{69B2F97D-0457-4986-9734-D03EB073C5EA}">
+<ds:datastoreItem xmlns:ds="http://schemas.openxmlformats.org/officeDocument/2006/customXml" ds:itemID="{B882D8D6-9D38-4159-A398-AAC3689D3D7C}">
   <ds:schemaRefs>
-    <ds:schemaRef ds:uri="http://schemas.microsoft.com/office/infopath/2007/PartnerControls"/>
-    <ds:schemaRef ds:uri="http://purl.org/dc/terms/"/>
-    <ds:schemaRef ds:uri="http://schemas.microsoft.com/office/2006/documentManagement/types"/>
-    <ds:schemaRef ds:uri="http://purl.org/dc/elements/1.1/"/>
-    <ds:schemaRef ds:uri="http://schemas.openxmlformats.org/package/2006/metadata/core-properties"/>
-    <ds:schemaRef ds:uri="230e9df3-be65-4c73-a93b-d1236ebd677e"/>
-    <ds:schemaRef ds:uri="http://schemas.microsoft.com/office/2006/metadata/properties"/>
-    <ds:schemaRef ds:uri="http://www.w3.org/XML/1998/namespace"/>
-    <ds:schemaRef ds:uri="http://purl.org/dc/dcmitype/"/>
+    <ds:schemaRef ds:uri="http://schemas.microsoft.com/sharepoint/v3/contenttype/forms"/>
   </ds:schemaRefs>
 </ds:datastoreItem>
 </file>
@@ -16129,9 +16265,17 @@
 </file>
 
 <file path=customXml/itemProps3.xml><?xml version="1.0" encoding="utf-8"?>
-<ds:datastoreItem xmlns:ds="http://schemas.openxmlformats.org/officeDocument/2006/customXml" ds:itemID="{B882D8D6-9D38-4159-A398-AAC3689D3D7C}">
+<ds:datastoreItem xmlns:ds="http://schemas.openxmlformats.org/officeDocument/2006/customXml" ds:itemID="{69B2F97D-0457-4986-9734-D03EB073C5EA}">
   <ds:schemaRefs>
-    <ds:schemaRef ds:uri="http://schemas.microsoft.com/sharepoint/v3/contenttype/forms"/>
+    <ds:schemaRef ds:uri="http://schemas.microsoft.com/office/infopath/2007/PartnerControls"/>
+    <ds:schemaRef ds:uri="http://purl.org/dc/terms/"/>
+    <ds:schemaRef ds:uri="http://schemas.microsoft.com/office/2006/documentManagement/types"/>
+    <ds:schemaRef ds:uri="http://purl.org/dc/elements/1.1/"/>
+    <ds:schemaRef ds:uri="http://schemas.openxmlformats.org/package/2006/metadata/core-properties"/>
+    <ds:schemaRef ds:uri="230e9df3-be65-4c73-a93b-d1236ebd677e"/>
+    <ds:schemaRef ds:uri="http://schemas.microsoft.com/office/2006/metadata/properties"/>
+    <ds:schemaRef ds:uri="http://www.w3.org/XML/1998/namespace"/>
+    <ds:schemaRef ds:uri="http://purl.org/dc/dcmitype/"/>
   </ds:schemaRefs>
 </ds:datastoreItem>
 </file>
--- a/BuildingDeployingMVC4.pptx
+++ b/BuildingDeployingMVC4.pptx
@@ -6,29 +6,28 @@
     <p:sldMasterId id="2147483779" r:id="rId5"/>
   </p:sldMasterIdLst>
   <p:notesMasterIdLst>
-    <p:notesMasterId r:id="rId18"/>
+    <p:notesMasterId r:id="rId17"/>
   </p:notesMasterIdLst>
   <p:handoutMasterIdLst>
-    <p:handoutMasterId r:id="rId19"/>
+    <p:handoutMasterId r:id="rId18"/>
   </p:handoutMasterIdLst>
   <p:sldIdLst>
     <p:sldId id="296" r:id="rId6"/>
     <p:sldId id="293" r:id="rId7"/>
     <p:sldId id="257" r:id="rId8"/>
     <p:sldId id="297" r:id="rId9"/>
-    <p:sldId id="298" r:id="rId10"/>
-    <p:sldId id="299" r:id="rId11"/>
-    <p:sldId id="300" r:id="rId12"/>
-    <p:sldId id="301" r:id="rId13"/>
-    <p:sldId id="302" r:id="rId14"/>
-    <p:sldId id="303" r:id="rId15"/>
-    <p:sldId id="304" r:id="rId16"/>
-    <p:sldId id="292" r:id="rId17"/>
+    <p:sldId id="299" r:id="rId10"/>
+    <p:sldId id="300" r:id="rId11"/>
+    <p:sldId id="301" r:id="rId12"/>
+    <p:sldId id="302" r:id="rId13"/>
+    <p:sldId id="303" r:id="rId14"/>
+    <p:sldId id="304" r:id="rId15"/>
+    <p:sldId id="292" r:id="rId16"/>
   </p:sldIdLst>
   <p:sldSz cx="12188825" cy="6858000"/>
   <p:notesSz cx="6858000" cy="9296400"/>
   <p:custDataLst>
-    <p:tags r:id="rId20"/>
+    <p:tags r:id="rId19"/>
   </p:custDataLst>
   <p:defaultTextStyle>
     <a:defPPr>
@@ -501,7 +500,7 @@
               <a:rPr lang="en-US" smtClean="0">
                 <a:latin typeface="Segoe UI" pitchFamily="34" charset="0"/>
               </a:rPr>
-              <a:t>11/23/2012</a:t>
+              <a:t>11/30/2012</a:t>
             </a:fld>
             <a:endParaRPr lang="en-US" dirty="0">
               <a:latin typeface="Segoe UI" pitchFamily="34" charset="0"/>
@@ -683,7 +682,7 @@
             <a:fld id="{CAE3F082-F902-42D8-A765-720E172C3194}" type="datetimeFigureOut">
               <a:rPr lang="en-US" smtClean="0"/>
               <a:pPr/>
-              <a:t>11/23/2012</a:t>
+              <a:t>11/30/2012</a:t>
             </a:fld>
             <a:endParaRPr lang="en-US" dirty="0"/>
           </a:p>
@@ -1001,106 +1000,10 @@
           <a:lstStyle/>
           <a:p>
             <a:r>
-              <a:rPr lang="en-US" u="sng" dirty="0" smtClean="0"/>
-              <a:t>Estimated Time:</a:t>
-            </a:r>
-            <a:r>
-              <a:rPr lang="en-US" dirty="0" smtClean="0"/>
-              <a:t> 2 minutes</a:t>
-            </a:r>
-          </a:p>
-          <a:p>
-            <a:endParaRPr lang="en-US" dirty="0" smtClean="0"/>
-          </a:p>
-          <a:p>
-            <a:r>
-              <a:rPr lang="en-US" dirty="0" smtClean="0"/>
-              <a:t>No matter which</a:t>
-            </a:r>
-            <a:r>
               <a:rPr lang="en-US" baseline="0" dirty="0" smtClean="0"/>
-              <a:t> type of developer you are, you get the benefit of the ASP.NET Core runtime, which provides many useful modules that provide functionality that you are likely to need when creating web applications.  For example: Profile, Roles and Membership is important if you want to build in users and security around different parts of your website.</a:t>
-            </a:r>
-            <a:endParaRPr lang="en-US" dirty="0" smtClean="0"/>
-          </a:p>
-          <a:p>
-            <a:endParaRPr lang="en-US" dirty="0" smtClean="0"/>
-          </a:p>
-          <a:p>
-            <a:r>
-              <a:rPr lang="en-US" dirty="0" smtClean="0"/>
-              <a:t>[Build x 3]</a:t>
-            </a:r>
-          </a:p>
-          <a:p>
-            <a:endParaRPr lang="en-US" dirty="0" smtClean="0"/>
-          </a:p>
-          <a:p>
-            <a:r>
-              <a:rPr lang="en-US" dirty="0" smtClean="0"/>
-              <a:t>ASP.NET</a:t>
-            </a:r>
-            <a:r>
-              <a:rPr lang="en-US" baseline="0" dirty="0" smtClean="0"/>
-              <a:t> Web Forms, ASP.NET MVC and ASP.NET Web Pages are three different approaches to building web applications on the server side with ASP.NET.  They all build on top of the same core runtime that provides them with the same powerful set of modules that web developers can leverage from within their web applications.  </a:t>
-            </a:r>
-          </a:p>
-          <a:p>
+              <a:t>Main thing from this slide: MVC builds on the same ASP.NET core as ASP.NET Web Forms, Web Pages, etc.</a:t>
+            </a:r>
             <a:endParaRPr lang="en-US" baseline="0" dirty="0" smtClean="0"/>
-          </a:p>
-          <a:p>
-            <a:r>
-              <a:rPr lang="en-US" dirty="0" smtClean="0"/>
-              <a:t>ASP.NET Web Forms is great for developers coming from</a:t>
-            </a:r>
-            <a:r>
-              <a:rPr lang="en-US" baseline="0" dirty="0" smtClean="0"/>
-              <a:t> desktop application development where they are accustomed to controls, event-driven development and code-behind.  Despite not being concepts that are native to the web, Web Forms achieves this by abstracting away things like maintaining state, form posting and much more.  This ease of development means that developers relinquish a certain amount of control as Web Forms manages communication between the server and client on your behalf.</a:t>
-            </a:r>
-          </a:p>
-          <a:p>
-            <a:endParaRPr lang="en-US" baseline="0" dirty="0" smtClean="0"/>
-          </a:p>
-          <a:p>
-            <a:r>
-              <a:rPr lang="en-US" baseline="0" dirty="0" smtClean="0"/>
-              <a:t>ASP.NET MVC, in contrast, is for developers that like to be in full control of the interactions between client and server and provides a more “raw” approach to what happens in the web application.  Due to its loosely coupled architecture, MVC is also very extensible with many places for developers to customize and plugin components as well write test code easily.</a:t>
-            </a:r>
-          </a:p>
-          <a:p>
-            <a:endParaRPr lang="en-US" baseline="0" dirty="0" smtClean="0"/>
-          </a:p>
-          <a:p>
-            <a:r>
-              <a:rPr lang="en-US" baseline="0" dirty="0" smtClean="0"/>
-              <a:t>Developing in ASP.NET Web Pages is centered around inline code and is similar to PHP or classic ASP in that compilation of your application isn’t required (it is in </a:t>
-            </a:r>
-            <a:r>
-              <a:rPr lang="en-US" baseline="0" dirty="0" err="1" smtClean="0"/>
-              <a:t>WebForms</a:t>
-            </a:r>
-            <a:r>
-              <a:rPr lang="en-US" baseline="0" dirty="0" smtClean="0"/>
-              <a:t> and MVC).  It is designed to provide the simplest approach to building websites with the fewest number of concepts to learn.</a:t>
-            </a:r>
-          </a:p>
-          <a:p>
-            <a:endParaRPr lang="en-US" baseline="0" dirty="0" smtClean="0"/>
-          </a:p>
-          <a:p>
-            <a:r>
-              <a:rPr lang="en-US" baseline="0" dirty="0" smtClean="0"/>
-              <a:t>[Build x 2]</a:t>
-            </a:r>
-          </a:p>
-          <a:p>
-            <a:endParaRPr lang="en-US" baseline="0" dirty="0" smtClean="0"/>
-          </a:p>
-          <a:p>
-            <a:r>
-              <a:rPr lang="en-US" baseline="0" dirty="0" smtClean="0"/>
-              <a:t>When it comes to controlling the markup that is rendered to the client there are two view engines you may use.  The Web Forms view engine is shared by both Web Forms and MVC and uses the familiar &lt;% %&gt; syntax.  With ASP.NET MVC 3 and ASP.NET Web Pages Microsoft introduced the Razor View Engine which uses a different syntax centered around the @ symbol.  The Razor syntax uses fewer characters to achieve the same things in Web Forms and allows the developer to mix markup and code really easily.</a:t>
-            </a:r>
           </a:p>
         </p:txBody>
       </p:sp>
@@ -1185,16 +1088,13 @@
           <a:bodyPr/>
           <a:lstStyle/>
           <a:p>
-            <a:pPr defTabSz="924458">
-              <a:defRPr/>
-            </a:pPr>
             <a:r>
               <a:rPr lang="en-US" u="sng" dirty="0" smtClean="0"/>
-              <a:t>Estimated Time</a:t>
+              <a:t>Estimated Time:</a:t>
             </a:r>
             <a:r>
               <a:rPr lang="en-US" dirty="0" smtClean="0"/>
-              <a:t>: 2 minutes</a:t>
+              <a:t> 4 minutes</a:t>
             </a:r>
           </a:p>
           <a:p>
@@ -1202,8 +1102,12 @@
           </a:p>
           <a:p>
             <a:r>
+              <a:rPr lang="en-US" dirty="0" smtClean="0"/>
+              <a:t>So</a:t>
+            </a:r>
+            <a:r>
               <a:rPr lang="en-US" baseline="0" dirty="0" smtClean="0"/>
-              <a:t>MVC is a design pattern that stands for Model-View-Controller. What is strives to do is separate the concerns of an application’s presentation layer by assigning specific roles to the three different components.</a:t>
+              <a:t> what does MVC look like when implemented over the web?</a:t>
             </a:r>
           </a:p>
           <a:p>
@@ -1212,7 +1116,15 @@
           <a:p>
             <a:r>
               <a:rPr lang="en-US" baseline="0" dirty="0" smtClean="0"/>
-              <a:t>The Controller is responsible for handling all user input. Once input has been received, the Controller will perform any operations/actions it needs to, which might include interacting with the Model.  </a:t>
+              <a:t>When an HTTP request comes into the application it is mapped to a controller. Remember as we mentioned in the previous slide, in the MVC design pattern, the controller is the piece of the triad that handles all user input. In the case of a web application, user input is represented as HTTP requests </a:t>
+            </a:r>
+            <a:r>
+              <a:rPr lang="en-US" b="1" baseline="0" dirty="0" smtClean="0"/>
+              <a:t>[Advance Animation]</a:t>
+            </a:r>
+            <a:r>
+              <a:rPr lang="en-US" baseline="0" dirty="0" smtClean="0"/>
+              <a:t>.</a:t>
             </a:r>
           </a:p>
           <a:p>
@@ -1221,7 +1133,15 @@
           <a:p>
             <a:r>
               <a:rPr lang="en-US" baseline="0" dirty="0" smtClean="0"/>
-              <a:t>The Model represents the data in the application. Once the Controller retrieves some model data and performs any work with the model, it constructs a presentation model that describes the model in terms the View can understand.</a:t>
+              <a:t>Once the controller has received input, it performs whatever operations it needs to and then assembles a presentation model </a:t>
+            </a:r>
+            <a:r>
+              <a:rPr lang="en-US" b="1" baseline="0" dirty="0" smtClean="0"/>
+              <a:t>[Advance Animation]</a:t>
+            </a:r>
+            <a:r>
+              <a:rPr lang="en-US" baseline="0" dirty="0" smtClean="0"/>
+              <a:t>.</a:t>
             </a:r>
           </a:p>
           <a:p>
@@ -1229,13 +1149,44 @@
           </a:p>
           <a:p>
             <a:r>
-              <a:rPr lang="en-US" dirty="0" smtClean="0"/>
-              <a:t>The View is</a:t>
-            </a:r>
-            <a:r>
               <a:rPr lang="en-US" baseline="0" dirty="0" smtClean="0"/>
-              <a:t> the visual representation of the model. It presents the model data to the actual user in a way that is meaningful. In a web application, this would typically be HTML.</a:t>
-            </a:r>
+              <a:t>The controller then takes the model and passes it off to the view. Remember that the view is simply a visual representation of the model </a:t>
+            </a:r>
+            <a:r>
+              <a:rPr lang="en-US" b="1" baseline="0" dirty="0" smtClean="0"/>
+              <a:t>[Advance Animation]</a:t>
+            </a:r>
+            <a:r>
+              <a:rPr lang="en-US" baseline="0" dirty="0" smtClean="0"/>
+              <a:t>.</a:t>
+            </a:r>
+          </a:p>
+          <a:p>
+            <a:endParaRPr lang="en-US" baseline="0" dirty="0" smtClean="0"/>
+          </a:p>
+          <a:p>
+            <a:r>
+              <a:rPr lang="en-US" baseline="0" dirty="0" smtClean="0"/>
+              <a:t>The view then “transforms” the model into whatever format it uses to represent it. In a web application, this would typically be HTML </a:t>
+            </a:r>
+            <a:r>
+              <a:rPr lang="en-US" b="1" baseline="0" dirty="0" smtClean="0"/>
+              <a:t>[Advance Animation]</a:t>
+            </a:r>
+            <a:r>
+              <a:rPr lang="en-US" baseline="0" dirty="0" smtClean="0"/>
+              <a:t>.</a:t>
+            </a:r>
+          </a:p>
+          <a:p>
+            <a:endParaRPr lang="en-US" baseline="0" dirty="0" smtClean="0"/>
+          </a:p>
+          <a:p>
+            <a:r>
+              <a:rPr lang="en-US" baseline="0" dirty="0" smtClean="0"/>
+              <a:t>The view then serves the request by responding with its visual representation.</a:t>
+            </a:r>
+            <a:endParaRPr lang="en-US" dirty="0" smtClean="0"/>
           </a:p>
           <a:p>
             <a:endParaRPr lang="en-US" dirty="0" smtClean="0"/>
@@ -1272,7 +1223,7 @@
     </p:spTree>
     <p:extLst>
       <p:ext uri="{BB962C8B-B14F-4D97-AF65-F5344CB8AC3E}">
-        <p14:creationId xmlns:p14="http://schemas.microsoft.com/office/powerpoint/2010/main" val="3106815521"/>
+        <p14:creationId xmlns:p14="http://schemas.microsoft.com/office/powerpoint/2010/main" val="389796527"/>
       </p:ext>
     </p:extLst>
   </p:cSld>
@@ -1327,109 +1278,92 @@
           <a:lstStyle/>
           <a:p>
             <a:r>
-              <a:rPr lang="en-US" u="sng" dirty="0" smtClean="0"/>
-              <a:t>Estimated Time:</a:t>
-            </a:r>
-            <a:r>
               <a:rPr lang="en-US" dirty="0" smtClean="0"/>
-              <a:t> 4 minutes</a:t>
-            </a:r>
-          </a:p>
-          <a:p>
-            <a:endParaRPr lang="en-US" dirty="0" smtClean="0"/>
-          </a:p>
-          <a:p>
-            <a:r>
-              <a:rPr lang="en-US" dirty="0" smtClean="0"/>
-              <a:t>So</a:t>
-            </a:r>
+              <a:t>Steps (10 minutes):</a:t>
+            </a:r>
+          </a:p>
+          <a:p>
+            <a:pPr marL="342900" indent="-342900">
+              <a:buAutoNum type="arabicPeriod"/>
+            </a:pPr>
             <a:r>
               <a:rPr lang="en-US" baseline="0" dirty="0" smtClean="0"/>
-              <a:t> what does MVC look like when implemented over the web?</a:t>
-            </a:r>
-          </a:p>
-          <a:p>
+              <a:t>File / New MVC Project</a:t>
+            </a:r>
+          </a:p>
+          <a:p>
+            <a:pPr marL="342900" indent="-342900">
+              <a:buAutoNum type="arabicPeriod"/>
+            </a:pPr>
+            <a:r>
+              <a:rPr lang="en-US" baseline="0" dirty="0" smtClean="0"/>
+              <a:t>Explain different templates</a:t>
+            </a:r>
+          </a:p>
+          <a:p>
+            <a:pPr marL="342900" indent="-342900">
+              <a:buAutoNum type="arabicPeriod"/>
+            </a:pPr>
+            <a:r>
+              <a:rPr lang="en-US" baseline="0" dirty="0" smtClean="0"/>
+              <a:t>Select Internet Application Template</a:t>
+            </a:r>
+          </a:p>
+          <a:p>
+            <a:pPr marL="342900" indent="-342900">
+              <a:buAutoNum type="arabicPeriod"/>
+            </a:pPr>
+            <a:r>
+              <a:rPr lang="en-US" baseline="0" dirty="0" smtClean="0"/>
+              <a:t>Explain folder structure</a:t>
+            </a:r>
+          </a:p>
+          <a:p>
+            <a:pPr marL="342900" indent="-342900">
+              <a:buAutoNum type="arabicPeriod"/>
+            </a:pPr>
+            <a:r>
+              <a:rPr lang="en-US" baseline="0" dirty="0" smtClean="0"/>
+              <a:t>Show </a:t>
+            </a:r>
+            <a:r>
+              <a:rPr lang="en-US" baseline="0" dirty="0" err="1" smtClean="0"/>
+              <a:t>HomeController</a:t>
+            </a:r>
+            <a:r>
+              <a:rPr lang="en-US" baseline="0" dirty="0" smtClean="0"/>
+              <a:t> and /Views/Home/</a:t>
+            </a:r>
+            <a:r>
+              <a:rPr lang="en-US" baseline="0" dirty="0" err="1" smtClean="0"/>
+              <a:t>Index.cshtml</a:t>
+            </a:r>
             <a:endParaRPr lang="en-US" baseline="0" dirty="0" smtClean="0"/>
           </a:p>
           <a:p>
+            <a:pPr marL="342900" indent="-342900">
+              <a:buAutoNum type="arabicPeriod"/>
+            </a:pPr>
             <a:r>
               <a:rPr lang="en-US" baseline="0" dirty="0" smtClean="0"/>
-              <a:t>When an HTTP request comes into the application it is mapped to a controller. Remember as we mentioned in the previous slide, in the MVC design pattern, the controller is the piece of the triad that handles all user input. In the case of a web application, user input is represented as HTTP requests </a:t>
-            </a:r>
-            <a:r>
-              <a:rPr lang="en-US" b="1" baseline="0" dirty="0" smtClean="0"/>
-              <a:t>[Advance Animation]</a:t>
+              <a:t>Run application and demonstrate the </a:t>
+            </a:r>
+            <a:r>
+              <a:rPr lang="en-US" baseline="0" dirty="0" err="1" smtClean="0"/>
+              <a:t>the</a:t>
             </a:r>
             <a:r>
               <a:rPr lang="en-US" baseline="0" dirty="0" smtClean="0"/>
-              <a:t>.</a:t>
-            </a:r>
-          </a:p>
-          <a:p>
-            <a:endParaRPr lang="en-US" baseline="0" dirty="0" smtClean="0"/>
-          </a:p>
-          <a:p>
+              <a:t> </a:t>
+            </a:r>
+            <a:r>
+              <a:rPr lang="en-US" baseline="0" dirty="0" err="1" smtClean="0"/>
+              <a:t>HomeController</a:t>
+            </a:r>
             <a:r>
               <a:rPr lang="en-US" baseline="0" dirty="0" smtClean="0"/>
-              <a:t>Once the controller has received input, it performs whatever operations it needs to and then assembles a presentation model </a:t>
-            </a:r>
-            <a:r>
-              <a:rPr lang="en-US" b="1" baseline="0" dirty="0" smtClean="0"/>
-              <a:t>[Advance Animation]</a:t>
-            </a:r>
-            <a:r>
-              <a:rPr lang="en-US" baseline="0" dirty="0" smtClean="0"/>
-              <a:t>.</a:t>
-            </a:r>
-          </a:p>
-          <a:p>
-            <a:endParaRPr lang="en-US" baseline="0" dirty="0" smtClean="0"/>
-          </a:p>
-          <a:p>
-            <a:r>
-              <a:rPr lang="en-US" baseline="0" dirty="0" smtClean="0"/>
-              <a:t>The controller then takes the model and passes it off to the view. Remember that the view is simply a visual representation of the model </a:t>
-            </a:r>
-            <a:r>
-              <a:rPr lang="en-US" b="1" baseline="0" dirty="0" smtClean="0"/>
-              <a:t>[Advance Animation]</a:t>
-            </a:r>
-            <a:r>
-              <a:rPr lang="en-US" baseline="0" dirty="0" smtClean="0"/>
-              <a:t>.</a:t>
-            </a:r>
-          </a:p>
-          <a:p>
-            <a:endParaRPr lang="en-US" baseline="0" dirty="0" smtClean="0"/>
-          </a:p>
-          <a:p>
-            <a:r>
-              <a:rPr lang="en-US" baseline="0" dirty="0" smtClean="0"/>
-              <a:t>The view then “transforms” the model into whatever format it uses to represent it. In a web application, this would typically be HTML </a:t>
-            </a:r>
-            <a:r>
-              <a:rPr lang="en-US" b="1" baseline="0" dirty="0" smtClean="0"/>
-              <a:t>[Advance Animation]</a:t>
-            </a:r>
-            <a:r>
-              <a:rPr lang="en-US" baseline="0" dirty="0" smtClean="0"/>
-              <a:t>.</a:t>
-            </a:r>
-          </a:p>
-          <a:p>
-            <a:endParaRPr lang="en-US" baseline="0" dirty="0" smtClean="0"/>
-          </a:p>
-          <a:p>
-            <a:r>
-              <a:rPr lang="en-US" baseline="0" dirty="0" smtClean="0"/>
-              <a:t>The view then serves the request by responding with its visual representation.</a:t>
-            </a:r>
-            <a:endParaRPr lang="en-US" dirty="0" smtClean="0"/>
-          </a:p>
-          <a:p>
-            <a:endParaRPr lang="en-US" dirty="0" smtClean="0"/>
-          </a:p>
-          <a:p>
+              <a:t> displays the Home Index view</a:t>
+            </a:r>
             <a:endParaRPr lang="en-US" dirty="0"/>
           </a:p>
         </p:txBody>
@@ -1461,7 +1395,7 @@
     </p:spTree>
     <p:extLst>
       <p:ext uri="{BB962C8B-B14F-4D97-AF65-F5344CB8AC3E}">
-        <p14:creationId xmlns:p14="http://schemas.microsoft.com/office/powerpoint/2010/main" val="389796527"/>
+        <p14:creationId xmlns:p14="http://schemas.microsoft.com/office/powerpoint/2010/main" val="2345157341"/>
       </p:ext>
     </p:extLst>
   </p:cSld>
@@ -1517,7 +1451,11 @@
           <a:p>
             <a:r>
               <a:rPr lang="en-US" dirty="0" smtClean="0"/>
-              <a:t>Steps (10 minutes):</a:t>
+              <a:t>Steps</a:t>
+            </a:r>
+            <a:r>
+              <a:rPr lang="en-US" baseline="0" dirty="0" smtClean="0"/>
+              <a:t> (10 minutes)</a:t>
             </a:r>
           </a:p>
           <a:p>
@@ -1526,81 +1464,226 @@
             </a:pPr>
             <a:r>
               <a:rPr lang="en-US" baseline="0" dirty="0" smtClean="0"/>
-              <a:t>File / New MVC Project</a:t>
-            </a:r>
-          </a:p>
-          <a:p>
-            <a:pPr marL="342900" indent="-342900">
+              <a:t>Create an Album model class</a:t>
+            </a:r>
+          </a:p>
+          <a:p>
+            <a:pPr marL="952393" lvl="1" indent="-342900">
               <a:buAutoNum type="arabicPeriod"/>
             </a:pPr>
             <a:r>
               <a:rPr lang="en-US" baseline="0" dirty="0" smtClean="0"/>
-              <a:t>Explain different templates</a:t>
-            </a:r>
-          </a:p>
-          <a:p>
-            <a:pPr marL="342900" indent="-342900">
+              <a:t>Right-click Model folder</a:t>
+            </a:r>
+          </a:p>
+          <a:p>
+            <a:pPr marL="952393" lvl="1" indent="-342900">
               <a:buAutoNum type="arabicPeriod"/>
             </a:pPr>
             <a:r>
               <a:rPr lang="en-US" baseline="0" dirty="0" smtClean="0"/>
-              <a:t>Select Internet Application Template</a:t>
-            </a:r>
-          </a:p>
-          <a:p>
-            <a:pPr marL="342900" indent="-342900">
+              <a:t>Add Album class</a:t>
+            </a:r>
+          </a:p>
+          <a:p>
+            <a:pPr marL="952393" lvl="1" indent="-342900">
               <a:buAutoNum type="arabicPeriod"/>
             </a:pPr>
             <a:r>
               <a:rPr lang="en-US" baseline="0" dirty="0" smtClean="0"/>
-              <a:t>Explain folder structure</a:t>
-            </a:r>
-          </a:p>
-          <a:p>
-            <a:pPr marL="342900" indent="-342900">
+              <a:t>Add </a:t>
+            </a:r>
+            <a:r>
+              <a:rPr lang="en-US" baseline="0" dirty="0" err="1" smtClean="0"/>
+              <a:t>int</a:t>
+            </a:r>
+            <a:r>
+              <a:rPr lang="en-US" baseline="0" dirty="0" smtClean="0"/>
+              <a:t> </a:t>
+            </a:r>
+            <a:r>
+              <a:rPr lang="en-US" baseline="0" dirty="0" err="1" smtClean="0"/>
+              <a:t>AlbumId</a:t>
+            </a:r>
+            <a:r>
+              <a:rPr lang="en-US" baseline="0" dirty="0" smtClean="0"/>
+              <a:t> </a:t>
+            </a:r>
+            <a:r>
+              <a:rPr lang="en-US" baseline="0" dirty="0" smtClean="0"/>
+              <a:t>property</a:t>
+            </a:r>
+          </a:p>
+          <a:p>
+            <a:pPr marL="952393" lvl="1" indent="-342900">
               <a:buAutoNum type="arabicPeriod"/>
             </a:pPr>
             <a:r>
               <a:rPr lang="en-US" baseline="0" dirty="0" smtClean="0"/>
-              <a:t>Show </a:t>
-            </a:r>
-            <a:r>
-              <a:rPr lang="en-US" baseline="0" dirty="0" err="1" smtClean="0"/>
-              <a:t>HomeController</a:t>
-            </a:r>
-            <a:r>
-              <a:rPr lang="en-US" baseline="0" dirty="0" smtClean="0"/>
-              <a:t> and /Views/Home/</a:t>
-            </a:r>
-            <a:r>
-              <a:rPr lang="en-US" baseline="0" dirty="0" err="1" smtClean="0"/>
-              <a:t>Index.cshtml</a:t>
-            </a:r>
-            <a:endParaRPr lang="en-US" baseline="0" dirty="0" smtClean="0"/>
-          </a:p>
-          <a:p>
-            <a:pPr marL="342900" indent="-342900">
+              <a:t>Add string Title property</a:t>
+            </a:r>
+          </a:p>
+          <a:p>
+            <a:pPr marL="952393" lvl="1" indent="-342900">
               <a:buAutoNum type="arabicPeriod"/>
             </a:pPr>
             <a:r>
               <a:rPr lang="en-US" baseline="0" dirty="0" smtClean="0"/>
-              <a:t>Run application and demonstrate the </a:t>
+              <a:t>Add decimal Price property</a:t>
+            </a:r>
+          </a:p>
+          <a:p>
+            <a:pPr marL="952393" lvl="1" indent="-342900">
+              <a:buAutoNum type="arabicPeriod"/>
+            </a:pPr>
+            <a:r>
+              <a:rPr lang="en-US" baseline="0" dirty="0" smtClean="0"/>
+              <a:t>Build the application</a:t>
+            </a:r>
+          </a:p>
+          <a:p>
+            <a:pPr marL="342900" lvl="0" indent="-342900">
+              <a:buAutoNum type="arabicPeriod"/>
+            </a:pPr>
+            <a:r>
+              <a:rPr lang="en-US" baseline="0" dirty="0" smtClean="0"/>
+              <a:t>Create a Store controller</a:t>
+            </a:r>
+          </a:p>
+          <a:p>
+            <a:pPr marL="952393" lvl="1" indent="-342900">
+              <a:buAutoNum type="arabicPeriod"/>
+            </a:pPr>
+            <a:r>
+              <a:rPr lang="en-US" baseline="0" dirty="0" smtClean="0"/>
+              <a:t>Right-click Controllers folder</a:t>
+            </a:r>
+          </a:p>
+          <a:p>
+            <a:pPr marL="952393" lvl="1" indent="-342900">
+              <a:buAutoNum type="arabicPeriod"/>
+            </a:pPr>
+            <a:r>
+              <a:rPr lang="en-US" baseline="0" dirty="0" smtClean="0"/>
+              <a:t>Add a new MVC controller with read/write actions and views, using Entity Framework</a:t>
+            </a:r>
+          </a:p>
+          <a:p>
+            <a:pPr marL="952393" lvl="1" indent="-342900">
+              <a:buAutoNum type="arabicPeriod"/>
+            </a:pPr>
+            <a:r>
+              <a:rPr lang="en-US" baseline="0" dirty="0" smtClean="0"/>
+              <a:t>Select Album model class</a:t>
+            </a:r>
+          </a:p>
+          <a:p>
+            <a:pPr marL="952393" lvl="1" indent="-342900">
+              <a:buAutoNum type="arabicPeriod"/>
+            </a:pPr>
+            <a:r>
+              <a:rPr lang="en-US" baseline="0" dirty="0" smtClean="0"/>
+              <a:t>New Data context named </a:t>
             </a:r>
             <a:r>
               <a:rPr lang="en-US" baseline="0" dirty="0" err="1" smtClean="0"/>
-              <a:t>the</a:t>
-            </a:r>
+              <a:t>StoreContext</a:t>
+            </a:r>
+            <a:endParaRPr lang="en-US" baseline="0" dirty="0" smtClean="0"/>
+          </a:p>
+          <a:p>
+            <a:pPr marL="342900" lvl="0" indent="-342900">
+              <a:buAutoNum type="arabicPeriod"/>
+            </a:pPr>
             <a:r>
               <a:rPr lang="en-US" baseline="0" dirty="0" smtClean="0"/>
-              <a:t> </a:t>
+              <a:t>Demonstrate the </a:t>
             </a:r>
             <a:r>
               <a:rPr lang="en-US" baseline="0" dirty="0" err="1" smtClean="0"/>
-              <a:t>HomeController</a:t>
+              <a:t>scaffolded</a:t>
             </a:r>
             <a:r>
               <a:rPr lang="en-US" baseline="0" dirty="0" smtClean="0"/>
-              <a:t> displays the Home Index view</a:t>
+              <a:t> Store controller</a:t>
+            </a:r>
+          </a:p>
+          <a:p>
+            <a:pPr marL="952393" lvl="1" indent="-342900">
+              <a:buAutoNum type="arabicPeriod"/>
+            </a:pPr>
+            <a:r>
+              <a:rPr lang="en-US" baseline="0" dirty="0" smtClean="0"/>
+              <a:t>Browse to /Store</a:t>
+            </a:r>
+          </a:p>
+          <a:p>
+            <a:pPr marL="952393" lvl="1" indent="-342900">
+              <a:buAutoNum type="arabicPeriod"/>
+            </a:pPr>
+            <a:r>
+              <a:rPr lang="en-US" baseline="0" dirty="0" smtClean="0"/>
+              <a:t>Add an Album</a:t>
+            </a:r>
+          </a:p>
+          <a:p>
+            <a:pPr marL="952393" lvl="1" indent="-342900">
+              <a:buAutoNum type="arabicPeriod"/>
+            </a:pPr>
+            <a:r>
+              <a:rPr lang="en-US" baseline="0" dirty="0" smtClean="0"/>
+              <a:t>Edit the album</a:t>
+            </a:r>
+          </a:p>
+          <a:p>
+            <a:pPr marL="952393" lvl="1" indent="-342900">
+              <a:buAutoNum type="arabicPeriod"/>
+            </a:pPr>
+            <a:r>
+              <a:rPr lang="en-US" baseline="0" dirty="0" smtClean="0"/>
+              <a:t>Delete the album</a:t>
+            </a:r>
+          </a:p>
+          <a:p>
+            <a:pPr marL="342900" lvl="0" indent="-342900">
+              <a:buAutoNum type="arabicPeriod"/>
+            </a:pPr>
+            <a:r>
+              <a:rPr lang="en-US" baseline="0" dirty="0" smtClean="0"/>
+              <a:t>Show the Store controller actions and views</a:t>
+            </a:r>
+          </a:p>
+          <a:p>
+            <a:pPr marL="342900" lvl="0" indent="-342900">
+              <a:buAutoNum type="arabicPeriod"/>
+            </a:pPr>
+            <a:r>
+              <a:rPr lang="en-US" baseline="0" dirty="0" smtClean="0"/>
+              <a:t>Show </a:t>
+            </a:r>
+            <a:r>
+              <a:rPr lang="en-US" baseline="0" dirty="0" err="1" smtClean="0"/>
+              <a:t>App_Start</a:t>
+            </a:r>
+            <a:r>
+              <a:rPr lang="en-US" baseline="0" dirty="0" smtClean="0"/>
+              <a:t>\</a:t>
+            </a:r>
+            <a:r>
+              <a:rPr lang="en-US" baseline="0" dirty="0" err="1" smtClean="0"/>
+              <a:t>RouteConfig.cs</a:t>
+            </a:r>
+            <a:r>
+              <a:rPr lang="en-US" baseline="0" dirty="0" smtClean="0"/>
+              <a:t> to show how </a:t>
+            </a:r>
+            <a:r>
+              <a:rPr lang="en-US" baseline="0" dirty="0" err="1" smtClean="0"/>
+              <a:t>urls</a:t>
+            </a:r>
+            <a:r>
+              <a:rPr lang="en-US" baseline="0" dirty="0" smtClean="0"/>
+              <a:t> map to actions</a:t>
             </a:r>
             <a:endParaRPr lang="en-US" dirty="0"/>
           </a:p>
@@ -1633,7 +1716,7 @@
     </p:spTree>
     <p:extLst>
       <p:ext uri="{BB962C8B-B14F-4D97-AF65-F5344CB8AC3E}">
-        <p14:creationId xmlns:p14="http://schemas.microsoft.com/office/powerpoint/2010/main" val="2345157341"/>
+        <p14:creationId xmlns:p14="http://schemas.microsoft.com/office/powerpoint/2010/main" val="3446026582"/>
       </p:ext>
     </p:extLst>
   </p:cSld>
@@ -1689,12 +1772,13 @@
           <a:p>
             <a:r>
               <a:rPr lang="en-US" dirty="0" smtClean="0"/>
-              <a:t>Steps</a:t>
+              <a:t>Steps (10</a:t>
             </a:r>
             <a:r>
               <a:rPr lang="en-US" baseline="0" dirty="0" smtClean="0"/>
-              <a:t> (10 minutes)</a:t>
-            </a:r>
+              <a:t> minutes)</a:t>
+            </a:r>
+            <a:endParaRPr lang="en-US" dirty="0" smtClean="0"/>
           </a:p>
           <a:p>
             <a:pPr marL="342900" indent="-342900">
@@ -1702,7 +1786,49 @@
             </a:pPr>
             <a:r>
               <a:rPr lang="en-US" baseline="0" dirty="0" smtClean="0"/>
-              <a:t>Create an Album model class</a:t>
+              <a:t>Open the </a:t>
+            </a:r>
+            <a:r>
+              <a:rPr lang="en-US" baseline="0" dirty="0" err="1" smtClean="0"/>
+              <a:t>StoreContext</a:t>
+            </a:r>
+            <a:r>
+              <a:rPr lang="en-US" baseline="0" dirty="0" smtClean="0"/>
+              <a:t> class created in the previous demo</a:t>
+            </a:r>
+          </a:p>
+          <a:p>
+            <a:pPr marL="342900" indent="-342900">
+              <a:buAutoNum type="arabicPeriod"/>
+            </a:pPr>
+            <a:r>
+              <a:rPr lang="en-US" baseline="0" dirty="0" smtClean="0"/>
+              <a:t>Show the database in </a:t>
+            </a:r>
+            <a:r>
+              <a:rPr lang="en-US" baseline="0" dirty="0" err="1" smtClean="0"/>
+              <a:t>App_Data</a:t>
+            </a:r>
+            <a:r>
+              <a:rPr lang="en-US" baseline="0" dirty="0" smtClean="0"/>
+              <a:t> and explain that the Albums table is inferred from the </a:t>
+            </a:r>
+            <a:r>
+              <a:rPr lang="en-US" baseline="0" dirty="0" err="1" smtClean="0"/>
+              <a:t>Ablum</a:t>
+            </a:r>
+            <a:r>
+              <a:rPr lang="en-US" baseline="0" dirty="0" smtClean="0"/>
+              <a:t> class</a:t>
+            </a:r>
+          </a:p>
+          <a:p>
+            <a:pPr marL="342900" indent="-342900">
+              <a:buAutoNum type="arabicPeriod"/>
+            </a:pPr>
+            <a:r>
+              <a:rPr lang="en-US" baseline="0" dirty="0" smtClean="0"/>
+              <a:t>Enable automatic migrations (note – if running late, skip this section)</a:t>
             </a:r>
           </a:p>
           <a:p>
@@ -1711,7 +1837,89 @@
             </a:pPr>
             <a:r>
               <a:rPr lang="en-US" baseline="0" dirty="0" smtClean="0"/>
-              <a:t>Right-click Model folder</a:t>
+              <a:t>Enable migrations using the </a:t>
+            </a:r>
+            <a:r>
+              <a:rPr lang="en-US" sz="1600" kern="1200" dirty="0" smtClean="0">
+                <a:solidFill>
+                  <a:schemeClr val="tx1"/>
+                </a:solidFill>
+                <a:latin typeface="Segoe UI" pitchFamily="34" charset="0"/>
+                <a:ea typeface="+mn-ea"/>
+                <a:cs typeface="+mn-cs"/>
+              </a:rPr>
+              <a:t>Enable-Migrations –</a:t>
+            </a:r>
+            <a:r>
+              <a:rPr lang="en-US" sz="1600" kern="1200" dirty="0" err="1" smtClean="0">
+                <a:solidFill>
+                  <a:schemeClr val="tx1"/>
+                </a:solidFill>
+                <a:latin typeface="Segoe UI" pitchFamily="34" charset="0"/>
+                <a:ea typeface="+mn-ea"/>
+                <a:cs typeface="+mn-cs"/>
+              </a:rPr>
+              <a:t>EnableAutomaticMigrations</a:t>
+            </a:r>
+            <a:r>
+              <a:rPr lang="en-US" sz="1600" kern="1200" dirty="0" smtClean="0">
+                <a:solidFill>
+                  <a:schemeClr val="tx1"/>
+                </a:solidFill>
+                <a:latin typeface="Segoe UI" pitchFamily="34" charset="0"/>
+                <a:ea typeface="+mn-ea"/>
+                <a:cs typeface="+mn-cs"/>
+              </a:rPr>
+              <a:t> -</a:t>
+            </a:r>
+            <a:r>
+              <a:rPr lang="en-US" sz="1600" kern="1200" dirty="0" err="1" smtClean="0">
+                <a:solidFill>
+                  <a:schemeClr val="tx1"/>
+                </a:solidFill>
+                <a:latin typeface="Segoe UI" pitchFamily="34" charset="0"/>
+                <a:ea typeface="+mn-ea"/>
+                <a:cs typeface="+mn-cs"/>
+              </a:rPr>
+              <a:t>ContextType</a:t>
+            </a:r>
+            <a:r>
+              <a:rPr lang="en-US" sz="1600" kern="1200" dirty="0" smtClean="0">
+                <a:solidFill>
+                  <a:schemeClr val="tx1"/>
+                </a:solidFill>
+                <a:latin typeface="Segoe UI" pitchFamily="34" charset="0"/>
+                <a:ea typeface="+mn-ea"/>
+                <a:cs typeface="+mn-cs"/>
+              </a:rPr>
+              <a:t> </a:t>
+            </a:r>
+            <a:r>
+              <a:rPr lang="en-US" sz="1600" kern="1200" dirty="0" err="1" smtClean="0">
+                <a:solidFill>
+                  <a:schemeClr val="tx1"/>
+                </a:solidFill>
+                <a:latin typeface="Segoe UI" pitchFamily="34" charset="0"/>
+                <a:ea typeface="+mn-ea"/>
+                <a:cs typeface="+mn-cs"/>
+              </a:rPr>
+              <a:t>StoreContext</a:t>
+            </a:r>
+            <a:r>
+              <a:rPr lang="en-US" baseline="0" dirty="0" smtClean="0"/>
+              <a:t> </a:t>
+            </a:r>
+            <a:r>
+              <a:rPr lang="en-US" sz="1600" b="0" i="0" kern="1200" dirty="0" smtClean="0">
+                <a:solidFill>
+                  <a:schemeClr val="tx1"/>
+                </a:solidFill>
+                <a:effectLst/>
+                <a:latin typeface="Segoe UI" pitchFamily="34" charset="0"/>
+                <a:ea typeface="+mn-ea"/>
+                <a:cs typeface="+mn-cs"/>
+              </a:rPr>
+              <a:t>command in the package manager console</a:t>
             </a:r>
           </a:p>
           <a:p>
@@ -1719,8 +1927,40 @@
               <a:buAutoNum type="arabicPeriod"/>
             </a:pPr>
             <a:r>
-              <a:rPr lang="en-US" baseline="0" dirty="0" smtClean="0"/>
-              <a:t>Add Album class</a:t>
+              <a:rPr lang="en-US" sz="1600" b="0" i="0" kern="1200" dirty="0" smtClean="0">
+                <a:solidFill>
+                  <a:schemeClr val="tx1"/>
+                </a:solidFill>
+                <a:effectLst/>
+                <a:latin typeface="Segoe UI" pitchFamily="34" charset="0"/>
+                <a:ea typeface="+mn-ea"/>
+                <a:cs typeface="+mn-cs"/>
+              </a:rPr>
+              <a:t>Add an </a:t>
+            </a:r>
+            <a:r>
+              <a:rPr lang="en-US" sz="1600" b="0" i="0" kern="1200" dirty="0" err="1" smtClean="0">
+                <a:solidFill>
+                  <a:schemeClr val="tx1"/>
+                </a:solidFill>
+                <a:effectLst/>
+                <a:latin typeface="Segoe UI" pitchFamily="34" charset="0"/>
+                <a:ea typeface="+mn-ea"/>
+                <a:cs typeface="+mn-cs"/>
+              </a:rPr>
+              <a:t>int</a:t>
+            </a:r>
+            <a:r>
+              <a:rPr lang="en-US" sz="1600" b="0" i="0" kern="1200" dirty="0" smtClean="0">
+                <a:solidFill>
+                  <a:schemeClr val="tx1"/>
+                </a:solidFill>
+                <a:effectLst/>
+                <a:latin typeface="Segoe UI" pitchFamily="34" charset="0"/>
+                <a:ea typeface="+mn-ea"/>
+                <a:cs typeface="+mn-cs"/>
+              </a:rPr>
+              <a:t> Rating property to the Album class</a:t>
             </a:r>
           </a:p>
           <a:p>
@@ -1728,16 +1968,28 @@
               <a:buAutoNum type="arabicPeriod"/>
             </a:pPr>
             <a:r>
-              <a:rPr lang="en-US" baseline="0" dirty="0" smtClean="0"/>
-              <a:t>Add </a:t>
-            </a:r>
-            <a:r>
-              <a:rPr lang="en-US" baseline="0" dirty="0" err="1" smtClean="0"/>
-              <a:t>int</a:t>
-            </a:r>
-            <a:r>
-              <a:rPr lang="en-US" baseline="0" dirty="0" smtClean="0"/>
-              <a:t> Album property</a:t>
+              <a:rPr lang="en-US" sz="1600" b="0" i="0" kern="1200" dirty="0" smtClean="0">
+                <a:solidFill>
+                  <a:schemeClr val="tx1"/>
+                </a:solidFill>
+                <a:effectLst/>
+                <a:latin typeface="Segoe UI" pitchFamily="34" charset="0"/>
+                <a:ea typeface="+mn-ea"/>
+                <a:cs typeface="+mn-cs"/>
+              </a:rPr>
+              <a:t>In the package manager console, run</a:t>
+            </a:r>
+            <a:r>
+              <a:rPr lang="en-US" sz="1600" b="0" i="0" kern="1200" baseline="0" dirty="0" smtClean="0">
+                <a:solidFill>
+                  <a:schemeClr val="tx1"/>
+                </a:solidFill>
+                <a:effectLst/>
+                <a:latin typeface="Segoe UI" pitchFamily="34" charset="0"/>
+                <a:ea typeface="+mn-ea"/>
+                <a:cs typeface="+mn-cs"/>
+              </a:rPr>
+              <a:t> Update-Database –Verbose –Script</a:t>
             </a:r>
           </a:p>
           <a:p>
@@ -1745,8 +1997,16 @@
               <a:buAutoNum type="arabicPeriod"/>
             </a:pPr>
             <a:r>
-              <a:rPr lang="en-US" baseline="0" dirty="0" smtClean="0"/>
-              <a:t>Add string Title property</a:t>
+              <a:rPr lang="en-US" sz="1600" b="0" i="0" kern="1200" baseline="0" dirty="0" smtClean="0">
+                <a:solidFill>
+                  <a:schemeClr val="tx1"/>
+                </a:solidFill>
+                <a:effectLst/>
+                <a:latin typeface="Segoe UI" pitchFamily="34" charset="0"/>
+                <a:ea typeface="+mn-ea"/>
+                <a:cs typeface="+mn-cs"/>
+              </a:rPr>
+              <a:t>Show the output and script</a:t>
             </a:r>
           </a:p>
           <a:p>
@@ -1754,164 +2014,23 @@
               <a:buAutoNum type="arabicPeriod"/>
             </a:pPr>
             <a:r>
-              <a:rPr lang="en-US" baseline="0" dirty="0" smtClean="0"/>
-              <a:t>Add decimal Price property</a:t>
-            </a:r>
-          </a:p>
-          <a:p>
-            <a:pPr marL="952393" lvl="1" indent="-342900">
+              <a:rPr lang="en-US" sz="1600" b="0" i="0" kern="1200" baseline="0" dirty="0" smtClean="0">
+                <a:solidFill>
+                  <a:schemeClr val="tx1"/>
+                </a:solidFill>
+                <a:effectLst/>
+                <a:latin typeface="Segoe UI" pitchFamily="34" charset="0"/>
+                <a:ea typeface="+mn-ea"/>
+                <a:cs typeface="+mn-cs"/>
+              </a:rPr>
+              <a:t>Run the command again and show that EF detects no changes were made so no migration is necessary</a:t>
+            </a:r>
+          </a:p>
+          <a:p>
+            <a:pPr marL="342900" indent="-342900">
               <a:buAutoNum type="arabicPeriod"/>
             </a:pPr>
-            <a:r>
-              <a:rPr lang="en-US" baseline="0" dirty="0" smtClean="0"/>
-              <a:t>Build the application</a:t>
-            </a:r>
-          </a:p>
-          <a:p>
-            <a:pPr marL="342900" lvl="0" indent="-342900">
-              <a:buAutoNum type="arabicPeriod"/>
-            </a:pPr>
-            <a:r>
-              <a:rPr lang="en-US" baseline="0" dirty="0" smtClean="0"/>
-              <a:t>Create a Store controller</a:t>
-            </a:r>
-          </a:p>
-          <a:p>
-            <a:pPr marL="952393" lvl="1" indent="-342900">
-              <a:buAutoNum type="arabicPeriod"/>
-            </a:pPr>
-            <a:r>
-              <a:rPr lang="en-US" baseline="0" dirty="0" smtClean="0"/>
-              <a:t>Right-click Controllers folder</a:t>
-            </a:r>
-          </a:p>
-          <a:p>
-            <a:pPr marL="952393" lvl="1" indent="-342900">
-              <a:buAutoNum type="arabicPeriod"/>
-            </a:pPr>
-            <a:r>
-              <a:rPr lang="en-US" baseline="0" dirty="0" smtClean="0"/>
-              <a:t>Add a new MVC controller with read/write actions and views, using Entity Framework</a:t>
-            </a:r>
-          </a:p>
-          <a:p>
-            <a:pPr marL="952393" lvl="1" indent="-342900">
-              <a:buAutoNum type="arabicPeriod"/>
-            </a:pPr>
-            <a:r>
-              <a:rPr lang="en-US" baseline="0" dirty="0" smtClean="0"/>
-              <a:t>Select Album model class</a:t>
-            </a:r>
-          </a:p>
-          <a:p>
-            <a:pPr marL="952393" lvl="1" indent="-342900">
-              <a:buAutoNum type="arabicPeriod"/>
-            </a:pPr>
-            <a:r>
-              <a:rPr lang="en-US" baseline="0" dirty="0" smtClean="0"/>
-              <a:t>New Data context named </a:t>
-            </a:r>
-            <a:r>
-              <a:rPr lang="en-US" baseline="0" dirty="0" err="1" smtClean="0"/>
-              <a:t>StoreContext</a:t>
-            </a:r>
-            <a:endParaRPr lang="en-US" baseline="0" dirty="0" smtClean="0"/>
-          </a:p>
-          <a:p>
-            <a:pPr marL="342900" lvl="0" indent="-342900">
-              <a:buAutoNum type="arabicPeriod"/>
-            </a:pPr>
-            <a:r>
-              <a:rPr lang="en-US" baseline="0" dirty="0" smtClean="0"/>
-              <a:t>Demonstrate the </a:t>
-            </a:r>
-            <a:r>
-              <a:rPr lang="en-US" baseline="0" dirty="0" err="1" smtClean="0"/>
-              <a:t>scaffolded</a:t>
-            </a:r>
-            <a:r>
-              <a:rPr lang="en-US" baseline="0" dirty="0" smtClean="0"/>
-              <a:t> Store controller</a:t>
-            </a:r>
-          </a:p>
-          <a:p>
-            <a:pPr marL="952393" lvl="1" indent="-342900">
-              <a:buAutoNum type="arabicPeriod"/>
-            </a:pPr>
-            <a:r>
-              <a:rPr lang="en-US" baseline="0" dirty="0" smtClean="0"/>
-              <a:t>Browse to /Store</a:t>
-            </a:r>
-          </a:p>
-          <a:p>
-            <a:pPr marL="952393" lvl="1" indent="-342900">
-              <a:buAutoNum type="arabicPeriod"/>
-            </a:pPr>
-            <a:r>
-              <a:rPr lang="en-US" baseline="0" dirty="0" smtClean="0"/>
-              <a:t>Add an Album</a:t>
-            </a:r>
-          </a:p>
-          <a:p>
-            <a:pPr marL="952393" lvl="1" indent="-342900">
-              <a:buAutoNum type="arabicPeriod"/>
-            </a:pPr>
-            <a:r>
-              <a:rPr lang="en-US" baseline="0" dirty="0" smtClean="0"/>
-              <a:t>Edit the album</a:t>
-            </a:r>
-          </a:p>
-          <a:p>
-            <a:pPr marL="952393" lvl="1" indent="-342900">
-              <a:buAutoNum type="arabicPeriod"/>
-            </a:pPr>
-            <a:r>
-              <a:rPr lang="en-US" baseline="0" dirty="0" smtClean="0"/>
-              <a:t>Delete the album</a:t>
-            </a:r>
-          </a:p>
-          <a:p>
-            <a:pPr marL="342900" lvl="0" indent="-342900">
-              <a:buAutoNum type="arabicPeriod"/>
-            </a:pPr>
-            <a:r>
-              <a:rPr lang="en-US" baseline="0" dirty="0" smtClean="0"/>
-              <a:t>Show the Store controller actions and views</a:t>
-            </a:r>
-          </a:p>
-          <a:p>
-            <a:pPr marL="342900" lvl="0" indent="-342900">
-              <a:buAutoNum type="arabicPeriod"/>
-            </a:pPr>
-            <a:r>
-              <a:rPr lang="en-US" baseline="0" dirty="0" smtClean="0"/>
-              <a:t>Show </a:t>
-            </a:r>
-            <a:r>
-              <a:rPr lang="en-US" baseline="0" dirty="0" err="1" smtClean="0"/>
-              <a:t>App_Start</a:t>
-            </a:r>
-            <a:r>
-              <a:rPr lang="en-US" baseline="0" dirty="0" smtClean="0"/>
-              <a:t>\</a:t>
-            </a:r>
-            <a:r>
-              <a:rPr lang="en-US" baseline="0" dirty="0" err="1" smtClean="0"/>
-              <a:t>RouteConfig.cs</a:t>
-            </a:r>
-            <a:r>
-              <a:rPr lang="en-US" baseline="0" dirty="0" smtClean="0"/>
-              <a:t> to show how </a:t>
-            </a:r>
-            <a:r>
-              <a:rPr lang="en-US" baseline="0" dirty="0" err="1" smtClean="0"/>
-              <a:t>urls</a:t>
-            </a:r>
-            <a:r>
-              <a:rPr lang="en-US" baseline="0" dirty="0" smtClean="0"/>
-              <a:t> map to actions</a:t>
-            </a:r>
-            <a:endParaRPr lang="en-US" dirty="0"/>
+            <a:endParaRPr lang="en-US" b="0" dirty="0"/>
           </a:p>
         </p:txBody>
       </p:sp>
@@ -1942,7 +2061,7 @@
     </p:spTree>
     <p:extLst>
       <p:ext uri="{BB962C8B-B14F-4D97-AF65-F5344CB8AC3E}">
-        <p14:creationId xmlns:p14="http://schemas.microsoft.com/office/powerpoint/2010/main" val="3446026582"/>
+        <p14:creationId xmlns:p14="http://schemas.microsoft.com/office/powerpoint/2010/main" val="2011726259"/>
       </p:ext>
     </p:extLst>
   </p:cSld>
@@ -1998,265 +2117,8 @@
           <a:p>
             <a:r>
               <a:rPr lang="en-US" dirty="0" smtClean="0"/>
-              <a:t>Steps (10</a:t>
-            </a:r>
-            <a:r>
-              <a:rPr lang="en-US" baseline="0" dirty="0" smtClean="0"/>
-              <a:t> minutes)</a:t>
-            </a:r>
-            <a:endParaRPr lang="en-US" dirty="0" smtClean="0"/>
-          </a:p>
-          <a:p>
-            <a:pPr marL="342900" indent="-342900">
-              <a:buAutoNum type="arabicPeriod"/>
-            </a:pPr>
-            <a:r>
-              <a:rPr lang="en-US" baseline="0" dirty="0" smtClean="0"/>
-              <a:t>Open the </a:t>
-            </a:r>
-            <a:r>
-              <a:rPr lang="en-US" baseline="0" dirty="0" err="1" smtClean="0"/>
-              <a:t>StoreContext</a:t>
-            </a:r>
-            <a:r>
-              <a:rPr lang="en-US" baseline="0" dirty="0" smtClean="0"/>
-              <a:t> class created in the previous demo</a:t>
-            </a:r>
-          </a:p>
-          <a:p>
-            <a:pPr marL="342900" indent="-342900">
-              <a:buAutoNum type="arabicPeriod"/>
-            </a:pPr>
-            <a:r>
-              <a:rPr lang="en-US" baseline="0" dirty="0" smtClean="0"/>
-              <a:t>Show the database in </a:t>
-            </a:r>
-            <a:r>
-              <a:rPr lang="en-US" baseline="0" dirty="0" err="1" smtClean="0"/>
-              <a:t>App_Data</a:t>
-            </a:r>
-            <a:r>
-              <a:rPr lang="en-US" baseline="0" dirty="0" smtClean="0"/>
-              <a:t> and explain that the Albums table is inferred from the </a:t>
-            </a:r>
-            <a:r>
-              <a:rPr lang="en-US" baseline="0" dirty="0" err="1" smtClean="0"/>
-              <a:t>Ablum</a:t>
-            </a:r>
-            <a:r>
-              <a:rPr lang="en-US" baseline="0" dirty="0" smtClean="0"/>
-              <a:t> class</a:t>
-            </a:r>
-          </a:p>
-          <a:p>
-            <a:pPr marL="342900" indent="-342900">
-              <a:buAutoNum type="arabicPeriod"/>
-            </a:pPr>
-            <a:r>
-              <a:rPr lang="en-US" baseline="0" dirty="0" smtClean="0"/>
-              <a:t>Enable automatic migrations (note – if running late, skip this section)</a:t>
-            </a:r>
-          </a:p>
-          <a:p>
-            <a:pPr marL="952393" lvl="1" indent="-342900">
-              <a:buAutoNum type="arabicPeriod"/>
-            </a:pPr>
-            <a:r>
-              <a:rPr lang="en-US" baseline="0" dirty="0" smtClean="0"/>
-              <a:t>Enable migrations using the </a:t>
-            </a:r>
-            <a:r>
-              <a:rPr lang="en-US" sz="1600" kern="1200" dirty="0" smtClean="0">
-                <a:solidFill>
-                  <a:schemeClr val="tx1"/>
-                </a:solidFill>
-                <a:latin typeface="Segoe UI" pitchFamily="34" charset="0"/>
-                <a:ea typeface="+mn-ea"/>
-                <a:cs typeface="+mn-cs"/>
-              </a:rPr>
-              <a:t>Enable-Migrations –</a:t>
-            </a:r>
-            <a:r>
-              <a:rPr lang="en-US" sz="1600" kern="1200" dirty="0" err="1" smtClean="0">
-                <a:solidFill>
-                  <a:schemeClr val="tx1"/>
-                </a:solidFill>
-                <a:latin typeface="Segoe UI" pitchFamily="34" charset="0"/>
-                <a:ea typeface="+mn-ea"/>
-                <a:cs typeface="+mn-cs"/>
-              </a:rPr>
-              <a:t>EnableAutomaticMigrations</a:t>
-            </a:r>
-            <a:r>
-              <a:rPr lang="en-US" sz="1600" kern="1200" dirty="0" smtClean="0">
-                <a:solidFill>
-                  <a:schemeClr val="tx1"/>
-                </a:solidFill>
-                <a:latin typeface="Segoe UI" pitchFamily="34" charset="0"/>
-                <a:ea typeface="+mn-ea"/>
-                <a:cs typeface="+mn-cs"/>
-              </a:rPr>
-              <a:t> -</a:t>
-            </a:r>
-            <a:r>
-              <a:rPr lang="en-US" sz="1600" kern="1200" dirty="0" err="1" smtClean="0">
-                <a:solidFill>
-                  <a:schemeClr val="tx1"/>
-                </a:solidFill>
-                <a:latin typeface="Segoe UI" pitchFamily="34" charset="0"/>
-                <a:ea typeface="+mn-ea"/>
-                <a:cs typeface="+mn-cs"/>
-              </a:rPr>
-              <a:t>ContextType</a:t>
-            </a:r>
-            <a:r>
-              <a:rPr lang="en-US" sz="1600" kern="1200" dirty="0" smtClean="0">
-                <a:solidFill>
-                  <a:schemeClr val="tx1"/>
-                </a:solidFill>
-                <a:latin typeface="Segoe UI" pitchFamily="34" charset="0"/>
-                <a:ea typeface="+mn-ea"/>
-                <a:cs typeface="+mn-cs"/>
-              </a:rPr>
-              <a:t> </a:t>
-            </a:r>
-            <a:r>
-              <a:rPr lang="en-US" sz="1600" kern="1200" dirty="0" err="1" smtClean="0">
-                <a:solidFill>
-                  <a:schemeClr val="tx1"/>
-                </a:solidFill>
-                <a:latin typeface="Segoe UI" pitchFamily="34" charset="0"/>
-                <a:ea typeface="+mn-ea"/>
-                <a:cs typeface="+mn-cs"/>
-              </a:rPr>
-              <a:t>StoreContext</a:t>
-            </a:r>
-            <a:r>
-              <a:rPr lang="en-US" baseline="0" dirty="0" smtClean="0"/>
-              <a:t> </a:t>
-            </a:r>
-            <a:r>
-              <a:rPr lang="en-US" sz="1600" b="0" i="0" kern="1200" dirty="0" smtClean="0">
-                <a:solidFill>
-                  <a:schemeClr val="tx1"/>
-                </a:solidFill>
-                <a:effectLst/>
-                <a:latin typeface="Segoe UI" pitchFamily="34" charset="0"/>
-                <a:ea typeface="+mn-ea"/>
-                <a:cs typeface="+mn-cs"/>
-              </a:rPr>
-              <a:t>command in the package manager console</a:t>
-            </a:r>
-          </a:p>
-          <a:p>
-            <a:pPr marL="952393" lvl="1" indent="-342900">
-              <a:buAutoNum type="arabicPeriod"/>
-            </a:pPr>
-            <a:r>
-              <a:rPr lang="en-US" sz="1600" b="0" i="0" kern="1200" dirty="0" smtClean="0">
-                <a:solidFill>
-                  <a:schemeClr val="tx1"/>
-                </a:solidFill>
-                <a:effectLst/>
-                <a:latin typeface="Segoe UI" pitchFamily="34" charset="0"/>
-                <a:ea typeface="+mn-ea"/>
-                <a:cs typeface="+mn-cs"/>
-              </a:rPr>
-              <a:t>Add an </a:t>
-            </a:r>
-            <a:r>
-              <a:rPr lang="en-US" sz="1600" b="0" i="0" kern="1200" dirty="0" err="1" smtClean="0">
-                <a:solidFill>
-                  <a:schemeClr val="tx1"/>
-                </a:solidFill>
-                <a:effectLst/>
-                <a:latin typeface="Segoe UI" pitchFamily="34" charset="0"/>
-                <a:ea typeface="+mn-ea"/>
-                <a:cs typeface="+mn-cs"/>
-              </a:rPr>
-              <a:t>int</a:t>
-            </a:r>
-            <a:r>
-              <a:rPr lang="en-US" sz="1600" b="0" i="0" kern="1200" dirty="0" smtClean="0">
-                <a:solidFill>
-                  <a:schemeClr val="tx1"/>
-                </a:solidFill>
-                <a:effectLst/>
-                <a:latin typeface="Segoe UI" pitchFamily="34" charset="0"/>
-                <a:ea typeface="+mn-ea"/>
-                <a:cs typeface="+mn-cs"/>
-              </a:rPr>
-              <a:t> Rating property to the Album class</a:t>
-            </a:r>
-          </a:p>
-          <a:p>
-            <a:pPr marL="952393" lvl="1" indent="-342900">
-              <a:buAutoNum type="arabicPeriod"/>
-            </a:pPr>
-            <a:r>
-              <a:rPr lang="en-US" sz="1600" b="0" i="0" kern="1200" dirty="0" smtClean="0">
-                <a:solidFill>
-                  <a:schemeClr val="tx1"/>
-                </a:solidFill>
-                <a:effectLst/>
-                <a:latin typeface="Segoe UI" pitchFamily="34" charset="0"/>
-                <a:ea typeface="+mn-ea"/>
-                <a:cs typeface="+mn-cs"/>
-              </a:rPr>
-              <a:t>In the package manager console, run</a:t>
-            </a:r>
-            <a:r>
-              <a:rPr lang="en-US" sz="1600" b="0" i="0" kern="1200" baseline="0" dirty="0" smtClean="0">
-                <a:solidFill>
-                  <a:schemeClr val="tx1"/>
-                </a:solidFill>
-                <a:effectLst/>
-                <a:latin typeface="Segoe UI" pitchFamily="34" charset="0"/>
-                <a:ea typeface="+mn-ea"/>
-                <a:cs typeface="+mn-cs"/>
-              </a:rPr>
-              <a:t> Update-Database –Verbose –Script</a:t>
-            </a:r>
-          </a:p>
-          <a:p>
-            <a:pPr marL="952393" lvl="1" indent="-342900">
-              <a:buAutoNum type="arabicPeriod"/>
-            </a:pPr>
-            <a:r>
-              <a:rPr lang="en-US" sz="1600" b="0" i="0" kern="1200" baseline="0" dirty="0" smtClean="0">
-                <a:solidFill>
-                  <a:schemeClr val="tx1"/>
-                </a:solidFill>
-                <a:effectLst/>
-                <a:latin typeface="Segoe UI" pitchFamily="34" charset="0"/>
-                <a:ea typeface="+mn-ea"/>
-                <a:cs typeface="+mn-cs"/>
-              </a:rPr>
-              <a:t>Show the output and script</a:t>
-            </a:r>
-          </a:p>
-          <a:p>
-            <a:pPr marL="952393" lvl="1" indent="-342900">
-              <a:buAutoNum type="arabicPeriod"/>
-            </a:pPr>
-            <a:r>
-              <a:rPr lang="en-US" sz="1600" b="0" i="0" kern="1200" baseline="0" dirty="0" smtClean="0">
-                <a:solidFill>
-                  <a:schemeClr val="tx1"/>
-                </a:solidFill>
-                <a:effectLst/>
-                <a:latin typeface="Segoe UI" pitchFamily="34" charset="0"/>
-                <a:ea typeface="+mn-ea"/>
-                <a:cs typeface="+mn-cs"/>
-              </a:rPr>
-              <a:t>Run the command again and show that EF detects no changes were made so no migration is necessary</a:t>
-            </a:r>
-          </a:p>
-          <a:p>
-            <a:pPr marL="342900" indent="-342900">
-              <a:buAutoNum type="arabicPeriod"/>
-            </a:pPr>
-            <a:endParaRPr lang="en-US" b="0" dirty="0"/>
+              <a:t>Deploy the site as shown here: https://www.windowsazure.com/en-us/develop/net/tutorials/web-site-with-sql-database/#header-3</a:t>
+            </a:r>
           </a:p>
         </p:txBody>
       </p:sp>
@@ -2287,7 +2149,7 @@
     </p:spTree>
     <p:extLst>
       <p:ext uri="{BB962C8B-B14F-4D97-AF65-F5344CB8AC3E}">
-        <p14:creationId xmlns:p14="http://schemas.microsoft.com/office/powerpoint/2010/main" val="2011726259"/>
+        <p14:creationId xmlns:p14="http://schemas.microsoft.com/office/powerpoint/2010/main" val="828356764"/>
       </p:ext>
     </p:extLst>
   </p:cSld>
@@ -2343,8 +2205,17 @@
           <a:p>
             <a:r>
               <a:rPr lang="en-US" dirty="0" smtClean="0"/>
-              <a:t>Deploy the site as shown here: https://www.windowsazure.com/en-us/develop/net/tutorials/web-site-with-sql-database/#header-3</a:t>
-            </a:r>
+              <a:t>Time permitting – add a new property</a:t>
+            </a:r>
+            <a:r>
+              <a:rPr lang="en-US" baseline="0" dirty="0" smtClean="0"/>
+              <a:t> to the model and re-deploy to show the database </a:t>
+            </a:r>
+            <a:r>
+              <a:rPr lang="en-US" baseline="0" smtClean="0"/>
+              <a:t>was updated</a:t>
+            </a:r>
+            <a:endParaRPr lang="en-US" dirty="0"/>
           </a:p>
         </p:txBody>
       </p:sp>
@@ -2375,7 +2246,7 @@
     </p:spTree>
     <p:extLst>
       <p:ext uri="{BB962C8B-B14F-4D97-AF65-F5344CB8AC3E}">
-        <p14:creationId xmlns:p14="http://schemas.microsoft.com/office/powerpoint/2010/main" val="828356764"/>
+        <p14:creationId xmlns:p14="http://schemas.microsoft.com/office/powerpoint/2010/main" val="70677999"/>
       </p:ext>
     </p:extLst>
   </p:cSld>
@@ -2429,103 +2300,6 @@
           <a:bodyPr/>
           <a:lstStyle/>
           <a:p>
-            <a:r>
-              <a:rPr lang="en-US" dirty="0" smtClean="0"/>
-              <a:t>Time permitting – add a new property</a:t>
-            </a:r>
-            <a:r>
-              <a:rPr lang="en-US" baseline="0" dirty="0" smtClean="0"/>
-              <a:t> to the model and re-deploy to show the database </a:t>
-            </a:r>
-            <a:r>
-              <a:rPr lang="en-US" baseline="0" smtClean="0"/>
-              <a:t>was updated</a:t>
-            </a:r>
-            <a:endParaRPr lang="en-US" dirty="0"/>
-          </a:p>
-        </p:txBody>
-      </p:sp>
-      <p:sp>
-        <p:nvSpPr>
-          <p:cNvPr id="4" name="Slide Number Placeholder 3"/>
-          <p:cNvSpPr>
-            <a:spLocks noGrp="1"/>
-          </p:cNvSpPr>
-          <p:nvPr>
-            <p:ph type="sldNum" sz="quarter" idx="10"/>
-          </p:nvPr>
-        </p:nvSpPr>
-        <p:spPr/>
-        <p:txBody>
-          <a:bodyPr/>
-          <a:lstStyle/>
-          <a:p>
-            <a:fld id="{82AABF77-E2E4-44CA-BA5C-65E132CF08D8}" type="slidenum">
-              <a:rPr lang="en-US" smtClean="0"/>
-              <a:pPr/>
-              <a:t>11</a:t>
-            </a:fld>
-            <a:endParaRPr lang="en-US" dirty="0"/>
-          </a:p>
-        </p:txBody>
-      </p:sp>
-    </p:spTree>
-    <p:extLst>
-      <p:ext uri="{BB962C8B-B14F-4D97-AF65-F5344CB8AC3E}">
-        <p14:creationId xmlns:p14="http://schemas.microsoft.com/office/powerpoint/2010/main" val="70677999"/>
-      </p:ext>
-    </p:extLst>
-  </p:cSld>
-  <p:clrMapOvr>
-    <a:masterClrMapping/>
-  </p:clrMapOvr>
-</p:notes>
-</file>
-
-<file path=ppt/notesSlides/notesSlide9.xml><?xml version="1.0" encoding="utf-8"?>
-<p:notes xmlns:a="http://schemas.openxmlformats.org/drawingml/2006/main" xmlns:r="http://schemas.openxmlformats.org/officeDocument/2006/relationships" xmlns:p="http://schemas.openxmlformats.org/presentationml/2006/main">
-  <p:cSld>
-    <p:spTree>
-      <p:nvGrpSpPr>
-        <p:cNvPr id="1" name=""/>
-        <p:cNvGrpSpPr/>
-        <p:nvPr/>
-      </p:nvGrpSpPr>
-      <p:grpSpPr>
-        <a:xfrm>
-          <a:off x="0" y="0"/>
-          <a:ext cx="0" cy="0"/>
-          <a:chOff x="0" y="0"/>
-          <a:chExt cx="0" cy="0"/>
-        </a:xfrm>
-      </p:grpSpPr>
-      <p:sp>
-        <p:nvSpPr>
-          <p:cNvPr id="2" name="Slide Image Placeholder 1"/>
-          <p:cNvSpPr>
-            <a:spLocks noGrp="1" noRot="1" noChangeAspect="1"/>
-          </p:cNvSpPr>
-          <p:nvPr>
-            <p:ph type="sldImg"/>
-          </p:nvPr>
-        </p:nvSpPr>
-        <p:spPr/>
-      </p:sp>
-      <p:sp>
-        <p:nvSpPr>
-          <p:cNvPr id="3" name="Notes Placeholder 2"/>
-          <p:cNvSpPr>
-            <a:spLocks noGrp="1"/>
-          </p:cNvSpPr>
-          <p:nvPr>
-            <p:ph type="body" idx="1"/>
-          </p:nvPr>
-        </p:nvSpPr>
-        <p:spPr/>
-        <p:txBody>
-          <a:bodyPr/>
-          <a:lstStyle/>
-          <a:p>
             <a:pPr marL="0" marR="0" indent="0" algn="l" defTabSz="1218987" rtl="0" eaLnBrk="1" fontAlgn="auto" latinLnBrk="0" hangingPunct="1">
               <a:lnSpc>
                 <a:spcPct val="100000"/>
@@ -2580,7 +2354,7 @@
             <a:fld id="{82AABF77-E2E4-44CA-BA5C-65E132CF08D8}" type="slidenum">
               <a:rPr lang="en-US" smtClean="0"/>
               <a:pPr/>
-              <a:t>12</a:t>
+              <a:t>11</a:t>
             </a:fld>
             <a:endParaRPr lang="en-US" dirty="0"/>
           </a:p>
@@ -13869,111 +13643,6 @@
 </file>
 
 <file path=ppt/slides/slide10.xml><?xml version="1.0" encoding="utf-8"?>
-<p:sld xmlns:a="http://schemas.openxmlformats.org/drawingml/2006/main" xmlns:r="http://schemas.openxmlformats.org/officeDocument/2006/relationships" xmlns:p="http://schemas.openxmlformats.org/presentationml/2006/main">
-  <p:cSld>
-    <p:spTree>
-      <p:nvGrpSpPr>
-        <p:cNvPr id="1" name=""/>
-        <p:cNvGrpSpPr/>
-        <p:nvPr/>
-      </p:nvGrpSpPr>
-      <p:grpSpPr>
-        <a:xfrm>
-          <a:off x="0" y="0"/>
-          <a:ext cx="0" cy="0"/>
-          <a:chOff x="0" y="0"/>
-          <a:chExt cx="0" cy="0"/>
-        </a:xfrm>
-      </p:grpSpPr>
-      <p:sp>
-        <p:nvSpPr>
-          <p:cNvPr id="2" name="Title 1"/>
-          <p:cNvSpPr>
-            <a:spLocks noGrp="1"/>
-          </p:cNvSpPr>
-          <p:nvPr>
-            <p:ph type="ctrTitle"/>
-          </p:nvPr>
-        </p:nvSpPr>
-        <p:spPr/>
-        <p:txBody>
-          <a:bodyPr/>
-          <a:lstStyle/>
-          <a:p>
-            <a:r>
-              <a:rPr lang="en-US" dirty="0" smtClean="0"/>
-              <a:t>Deploying to Windows Azure Web Sites</a:t>
-            </a:r>
-            <a:endParaRPr lang="en-US" dirty="0"/>
-          </a:p>
-        </p:txBody>
-      </p:sp>
-      <p:sp>
-        <p:nvSpPr>
-          <p:cNvPr id="5" name="Subtitle 4"/>
-          <p:cNvSpPr>
-            <a:spLocks noGrp="1"/>
-          </p:cNvSpPr>
-          <p:nvPr>
-            <p:ph type="subTitle" idx="1"/>
-          </p:nvPr>
-        </p:nvSpPr>
-        <p:spPr/>
-        <p:txBody>
-          <a:bodyPr/>
-          <a:lstStyle/>
-          <a:p>
-            <a:endParaRPr lang="en-US"/>
-          </a:p>
-        </p:txBody>
-      </p:sp>
-      <p:sp>
-        <p:nvSpPr>
-          <p:cNvPr id="4" name="Text Placeholder 3"/>
-          <p:cNvSpPr>
-            <a:spLocks noGrp="1"/>
-          </p:cNvSpPr>
-          <p:nvPr>
-            <p:ph type="body" sz="quarter" idx="10"/>
-          </p:nvPr>
-        </p:nvSpPr>
-        <p:spPr/>
-        <p:txBody>
-          <a:bodyPr/>
-          <a:lstStyle/>
-          <a:p>
-            <a:r>
-              <a:rPr lang="en-US" dirty="0" smtClean="0"/>
-              <a:t>demo…</a:t>
-            </a:r>
-            <a:endParaRPr lang="en-US" dirty="0"/>
-          </a:p>
-        </p:txBody>
-      </p:sp>
-    </p:spTree>
-    <p:extLst>
-      <p:ext uri="{BB962C8B-B14F-4D97-AF65-F5344CB8AC3E}">
-        <p14:creationId xmlns:p14="http://schemas.microsoft.com/office/powerpoint/2010/main" val="156487027"/>
-      </p:ext>
-    </p:extLst>
-  </p:cSld>
-  <p:clrMapOvr>
-    <a:masterClrMapping/>
-  </p:clrMapOvr>
-  <p:transition>
-    <p:fade/>
-  </p:transition>
-  <p:timing>
-    <p:tnLst>
-      <p:par>
-        <p:cTn id="1" dur="indefinite" restart="never" nodeType="tmRoot"/>
-      </p:par>
-    </p:tnLst>
-  </p:timing>
-</p:sld>
-</file>
-
-<file path=ppt/slides/slide11.xml><?xml version="1.0" encoding="utf-8"?>
 <p:sld xmlns:a="http://schemas.openxmlformats.org/drawingml/2006/main" xmlns:r="http://schemas.openxmlformats.org/officeDocument/2006/relationships" xmlns:p="http://schemas.openxmlformats.org/presentationml/2006/main" show="0">
   <p:cSld>
     <p:spTree>
@@ -14078,7 +13747,7 @@
 </p:sld>
 </file>
 
-<file path=ppt/slides/slide12.xml><?xml version="1.0" encoding="utf-8"?>
+<file path=ppt/slides/slide11.xml><?xml version="1.0" encoding="utf-8"?>
 <p:sld xmlns:a="http://schemas.openxmlformats.org/drawingml/2006/main" xmlns:r="http://schemas.openxmlformats.org/officeDocument/2006/relationships" xmlns:p="http://schemas.openxmlformats.org/presentationml/2006/main">
   <p:cSld>
     <p:spTree>
@@ -14120,7 +13789,7 @@
           <a:graphicData uri="http://schemas.openxmlformats.org/presentationml/2006/ole">
             <mc:AlternateContent xmlns:mc="http://schemas.openxmlformats.org/markup-compatibility/2006">
               <mc:Choice xmlns:v="urn:schemas-microsoft-com:vml" Requires="v">
-                <p:oleObj spid="_x0000_s58493" name="think-cell Slide" r:id="rId5" imgW="270" imgH="270" progId="TCLayout.ActiveDocument.1">
+                <p:oleObj spid="_x0000_s58497" name="think-cell Slide" r:id="rId5" imgW="270" imgH="270" progId="TCLayout.ActiveDocument.1">
                   <p:embed/>
                 </p:oleObj>
               </mc:Choice>
@@ -14229,7 +13898,7 @@
           <a:graphicData uri="http://schemas.openxmlformats.org/presentationml/2006/ole">
             <mc:AlternateContent xmlns:mc="http://schemas.openxmlformats.org/markup-compatibility/2006">
               <mc:Choice xmlns:v="urn:schemas-microsoft-com:vml" Requires="v">
-                <p:oleObj spid="_x0000_s59512" name="think-cell Slide" r:id="rId4" imgW="270" imgH="270" progId="TCLayout.ActiveDocument.1">
+                <p:oleObj spid="_x0000_s59516" name="think-cell Slide" r:id="rId4" imgW="270" imgH="270" progId="TCLayout.ActiveDocument.1">
                   <p:embed/>
                 </p:oleObj>
               </mc:Choice>
@@ -14401,7 +14070,7 @@
           <a:graphicData uri="http://schemas.openxmlformats.org/presentationml/2006/ole">
             <mc:AlternateContent xmlns:mc="http://schemas.openxmlformats.org/markup-compatibility/2006">
               <mc:Choice xmlns:v="urn:schemas-microsoft-com:vml" Requires="v">
-                <p:oleObj spid="_x0000_s23678" name="think-cell Slide" r:id="rId6" imgW="270" imgH="270" progId="TCLayout.ActiveDocument.1">
+                <p:oleObj spid="_x0000_s23682" name="think-cell Slide" r:id="rId6" imgW="270" imgH="270" progId="TCLayout.ActiveDocument.1">
                   <p:embed/>
                 </p:oleObj>
               </mc:Choice>
@@ -16306,102 +15975,7 @@
   <p:timing>
     <p:tnLst>
       <p:par>
-        <p:cTn id="1" dur="indefinite" restart="never" nodeType="tmRoot">
-          <p:childTnLst>
-            <p:seq concurrent="1" nextAc="seek">
-              <p:cTn id="2" dur="indefinite" nodeType="mainSeq">
-                <p:childTnLst>
-                  <p:par>
-                    <p:cTn id="3" fill="hold">
-                      <p:stCondLst>
-                        <p:cond delay="indefinite"/>
-                        <p:cond evt="onBegin" delay="0">
-                          <p:tn val="2"/>
-                        </p:cond>
-                      </p:stCondLst>
-                      <p:childTnLst>
-                        <p:par>
-                          <p:cTn id="4" fill="hold">
-                            <p:stCondLst>
-                              <p:cond delay="0"/>
-                            </p:stCondLst>
-                            <p:childTnLst>
-                              <p:par>
-                                <p:cTn id="5" presetID="1" presetClass="emph" presetSubtype="2" fill="hold" nodeType="withEffect">
-                                  <p:stCondLst>
-                                    <p:cond delay="0"/>
-                                  </p:stCondLst>
-                                  <p:childTnLst>
-                                    <p:animClr clrSpc="rgb" dir="cw">
-                                      <p:cBhvr>
-                                        <p:cTn id="6" dur="2000" fill="hold"/>
-                                        <p:tgtEl>
-                                          <p:spTgt spid="34"/>
-                                        </p:tgtEl>
-                                        <p:attrNameLst>
-                                          <p:attrName>fillcolor</p:attrName>
-                                        </p:attrNameLst>
-                                      </p:cBhvr>
-                                      <p:to>
-                                        <a:srgbClr val="910091"/>
-                                      </p:to>
-                                    </p:animClr>
-                                    <p:set>
-                                      <p:cBhvr>
-                                        <p:cTn id="7" dur="2000" fill="hold"/>
-                                        <p:tgtEl>
-                                          <p:spTgt spid="34"/>
-                                        </p:tgtEl>
-                                        <p:attrNameLst>
-                                          <p:attrName>fill.type</p:attrName>
-                                        </p:attrNameLst>
-                                      </p:cBhvr>
-                                      <p:to>
-                                        <p:strVal val="solid"/>
-                                      </p:to>
-                                    </p:set>
-                                    <p:set>
-                                      <p:cBhvr>
-                                        <p:cTn id="8" dur="2000" fill="hold"/>
-                                        <p:tgtEl>
-                                          <p:spTgt spid="34"/>
-                                        </p:tgtEl>
-                                        <p:attrNameLst>
-                                          <p:attrName>fill.on</p:attrName>
-                                        </p:attrNameLst>
-                                      </p:cBhvr>
-                                      <p:to>
-                                        <p:strVal val="true"/>
-                                      </p:to>
-                                    </p:set>
-                                  </p:childTnLst>
-                                </p:cTn>
-                              </p:par>
-                            </p:childTnLst>
-                          </p:cTn>
-                        </p:par>
-                      </p:childTnLst>
-                    </p:cTn>
-                  </p:par>
-                </p:childTnLst>
-              </p:cTn>
-              <p:prevCondLst>
-                <p:cond evt="onPrev" delay="0">
-                  <p:tgtEl>
-                    <p:sldTgt/>
-                  </p:tgtEl>
-                </p:cond>
-              </p:prevCondLst>
-              <p:nextCondLst>
-                <p:cond evt="onNext" delay="0">
-                  <p:tgtEl>
-                    <p:sldTgt/>
-                  </p:tgtEl>
-                </p:cond>
-              </p:nextCondLst>
-            </p:seq>
-          </p:childTnLst>
-        </p:cTn>
+        <p:cTn id="1" dur="indefinite" restart="never" nodeType="tmRoot"/>
       </p:par>
     </p:tnLst>
   </p:timing>
@@ -16409,505 +15983,6 @@
 </file>
 
 <file path=ppt/slides/slide5.xml><?xml version="1.0" encoding="utf-8"?>
-<p:sld xmlns:a="http://schemas.openxmlformats.org/drawingml/2006/main" xmlns:r="http://schemas.openxmlformats.org/officeDocument/2006/relationships" xmlns:p="http://schemas.openxmlformats.org/presentationml/2006/main">
-  <p:cSld>
-    <p:spTree>
-      <p:nvGrpSpPr>
-        <p:cNvPr id="1" name=""/>
-        <p:cNvGrpSpPr/>
-        <p:nvPr/>
-      </p:nvGrpSpPr>
-      <p:grpSpPr>
-        <a:xfrm>
-          <a:off x="0" y="0"/>
-          <a:ext cx="0" cy="0"/>
-          <a:chOff x="0" y="0"/>
-          <a:chExt cx="0" cy="0"/>
-        </a:xfrm>
-      </p:grpSpPr>
-      <p:sp>
-        <p:nvSpPr>
-          <p:cNvPr id="3" name="Title 2"/>
-          <p:cNvSpPr>
-            <a:spLocks noGrp="1"/>
-          </p:cNvSpPr>
-          <p:nvPr>
-            <p:ph type="title"/>
-          </p:nvPr>
-        </p:nvSpPr>
-        <p:spPr/>
-        <p:txBody>
-          <a:bodyPr/>
-          <a:lstStyle/>
-          <a:p>
-            <a:r>
-              <a:rPr lang="en-US" dirty="0"/>
-              <a:t>ASP.NET MVC 101</a:t>
-            </a:r>
-          </a:p>
-        </p:txBody>
-      </p:sp>
-      <p:sp>
-        <p:nvSpPr>
-          <p:cNvPr id="4" name="Rectangle 3"/>
-          <p:cNvSpPr/>
-          <p:nvPr/>
-        </p:nvSpPr>
-        <p:spPr bwMode="auto">
-          <a:xfrm>
-            <a:off x="4716995" y="1936445"/>
-            <a:ext cx="2286000" cy="2286000"/>
-          </a:xfrm>
-          <a:prstGeom prst="rect">
-            <a:avLst/>
-          </a:prstGeom>
-          <a:solidFill>
-            <a:schemeClr val="accent2"/>
-          </a:solidFill>
-          <a:ln>
-            <a:noFill/>
-            <a:headEnd type="none" w="med" len="med"/>
-            <a:tailEnd type="none" w="med" len="med"/>
-          </a:ln>
-          <a:effectLst/>
-        </p:spPr>
-        <p:style>
-          <a:lnRef idx="1">
-            <a:schemeClr val="accent2"/>
-          </a:lnRef>
-          <a:fillRef idx="3">
-            <a:schemeClr val="accent2"/>
-          </a:fillRef>
-          <a:effectRef idx="2">
-            <a:schemeClr val="accent2"/>
-          </a:effectRef>
-          <a:fontRef idx="minor">
-            <a:schemeClr val="lt1"/>
-          </a:fontRef>
-        </p:style>
-        <p:txBody>
-          <a:bodyPr vert="horz" wrap="square" lIns="91436" tIns="45718" rIns="91436" bIns="45718" numCol="1" rtlCol="0" anchor="ctr" anchorCtr="0" compatLnSpc="1">
-            <a:prstTxWarp prst="textNoShape">
-              <a:avLst/>
-            </a:prstTxWarp>
-          </a:bodyPr>
-          <a:lstStyle/>
-          <a:p>
-            <a:pPr algn="ctr" defTabSz="914099" fontAlgn="base">
-              <a:spcBef>
-                <a:spcPct val="0"/>
-              </a:spcBef>
-              <a:spcAft>
-                <a:spcPct val="0"/>
-              </a:spcAft>
-            </a:pPr>
-            <a:r>
-              <a:rPr lang="en-US" sz="2800" dirty="0">
-                <a:gradFill>
-                  <a:gsLst>
-                    <a:gs pos="0">
-                      <a:srgbClr val="FFFFFF"/>
-                    </a:gs>
-                    <a:gs pos="100000">
-                      <a:srgbClr val="FFFFFF"/>
-                    </a:gs>
-                  </a:gsLst>
-                  <a:lin ang="5400000" scaled="0"/>
-                </a:gradFill>
-              </a:rPr>
-              <a:t>Controller</a:t>
-            </a:r>
-          </a:p>
-          <a:p>
-            <a:pPr algn="ctr" defTabSz="914099" fontAlgn="base">
-              <a:spcBef>
-                <a:spcPct val="0"/>
-              </a:spcBef>
-              <a:spcAft>
-                <a:spcPct val="0"/>
-              </a:spcAft>
-            </a:pPr>
-            <a:r>
-              <a:rPr lang="en-US" dirty="0">
-                <a:gradFill>
-                  <a:gsLst>
-                    <a:gs pos="0">
-                      <a:srgbClr val="FFFFFF"/>
-                    </a:gs>
-                    <a:gs pos="100000">
-                      <a:srgbClr val="FFFFFF"/>
-                    </a:gs>
-                  </a:gsLst>
-                  <a:lin ang="5400000" scaled="0"/>
-                </a:gradFill>
-              </a:rPr>
-              <a:t>(Input)</a:t>
-            </a:r>
-          </a:p>
-        </p:txBody>
-      </p:sp>
-      <p:sp>
-        <p:nvSpPr>
-          <p:cNvPr id="5" name="Rectangle 4"/>
-          <p:cNvSpPr/>
-          <p:nvPr/>
-        </p:nvSpPr>
-        <p:spPr bwMode="auto">
-          <a:xfrm>
-            <a:off x="8517451" y="1937493"/>
-            <a:ext cx="2286000" cy="2286000"/>
-          </a:xfrm>
-          <a:prstGeom prst="rect">
-            <a:avLst/>
-          </a:prstGeom>
-          <a:solidFill>
-            <a:schemeClr val="accent4"/>
-          </a:solidFill>
-          <a:ln>
-            <a:noFill/>
-            <a:headEnd type="none" w="med" len="med"/>
-            <a:tailEnd type="none" w="med" len="med"/>
-          </a:ln>
-          <a:effectLst/>
-        </p:spPr>
-        <p:style>
-          <a:lnRef idx="1">
-            <a:schemeClr val="accent2"/>
-          </a:lnRef>
-          <a:fillRef idx="3">
-            <a:schemeClr val="accent2"/>
-          </a:fillRef>
-          <a:effectRef idx="2">
-            <a:schemeClr val="accent2"/>
-          </a:effectRef>
-          <a:fontRef idx="minor">
-            <a:schemeClr val="lt1"/>
-          </a:fontRef>
-        </p:style>
-        <p:txBody>
-          <a:bodyPr vert="horz" wrap="square" lIns="91436" tIns="45718" rIns="91436" bIns="45718" numCol="1" rtlCol="0" anchor="ctr" anchorCtr="0" compatLnSpc="1">
-            <a:prstTxWarp prst="textNoShape">
-              <a:avLst/>
-            </a:prstTxWarp>
-          </a:bodyPr>
-          <a:lstStyle/>
-          <a:p>
-            <a:pPr algn="ctr" defTabSz="914099" fontAlgn="base">
-              <a:spcBef>
-                <a:spcPct val="0"/>
-              </a:spcBef>
-              <a:spcAft>
-                <a:spcPct val="0"/>
-              </a:spcAft>
-            </a:pPr>
-            <a:r>
-              <a:rPr lang="en-US" sz="2800" dirty="0">
-                <a:gradFill>
-                  <a:gsLst>
-                    <a:gs pos="0">
-                      <a:srgbClr val="FFFFFF"/>
-                    </a:gs>
-                    <a:gs pos="100000">
-                      <a:srgbClr val="FFFFFF"/>
-                    </a:gs>
-                  </a:gsLst>
-                  <a:lin ang="5400000" scaled="0"/>
-                </a:gradFill>
-              </a:rPr>
-              <a:t>View</a:t>
-            </a:r>
-          </a:p>
-          <a:p>
-            <a:pPr algn="ctr" defTabSz="914099" fontAlgn="base">
-              <a:spcBef>
-                <a:spcPct val="0"/>
-              </a:spcBef>
-              <a:spcAft>
-                <a:spcPct val="0"/>
-              </a:spcAft>
-            </a:pPr>
-            <a:r>
-              <a:rPr lang="en-US" dirty="0">
-                <a:gradFill>
-                  <a:gsLst>
-                    <a:gs pos="0">
-                      <a:srgbClr val="FFFFFF"/>
-                    </a:gs>
-                    <a:gs pos="100000">
-                      <a:srgbClr val="FFFFFF"/>
-                    </a:gs>
-                  </a:gsLst>
-                  <a:lin ang="5400000" scaled="0"/>
-                </a:gradFill>
-              </a:rPr>
-              <a:t>(Presentation)</a:t>
-            </a:r>
-          </a:p>
-        </p:txBody>
-      </p:sp>
-      <p:sp>
-        <p:nvSpPr>
-          <p:cNvPr id="6" name="Rectangle 5"/>
-          <p:cNvSpPr/>
-          <p:nvPr/>
-        </p:nvSpPr>
-        <p:spPr bwMode="auto">
-          <a:xfrm>
-            <a:off x="1083960" y="1937493"/>
-            <a:ext cx="2286000" cy="2286000"/>
-          </a:xfrm>
-          <a:prstGeom prst="rect">
-            <a:avLst/>
-          </a:prstGeom>
-          <a:solidFill>
-            <a:schemeClr val="tx2"/>
-          </a:solidFill>
-          <a:ln>
-            <a:noFill/>
-            <a:headEnd type="none" w="med" len="med"/>
-            <a:tailEnd type="none" w="med" len="med"/>
-          </a:ln>
-          <a:effectLst/>
-        </p:spPr>
-        <p:style>
-          <a:lnRef idx="1">
-            <a:schemeClr val="accent2"/>
-          </a:lnRef>
-          <a:fillRef idx="3">
-            <a:schemeClr val="accent2"/>
-          </a:fillRef>
-          <a:effectRef idx="2">
-            <a:schemeClr val="accent2"/>
-          </a:effectRef>
-          <a:fontRef idx="minor">
-            <a:schemeClr val="lt1"/>
-          </a:fontRef>
-        </p:style>
-        <p:txBody>
-          <a:bodyPr vert="horz" wrap="square" lIns="91436" tIns="45718" rIns="91436" bIns="45718" numCol="1" rtlCol="0" anchor="ctr" anchorCtr="0" compatLnSpc="1">
-            <a:prstTxWarp prst="textNoShape">
-              <a:avLst/>
-            </a:prstTxWarp>
-          </a:bodyPr>
-          <a:lstStyle/>
-          <a:p>
-            <a:pPr algn="ctr" defTabSz="914099" fontAlgn="base">
-              <a:spcBef>
-                <a:spcPct val="0"/>
-              </a:spcBef>
-              <a:spcAft>
-                <a:spcPct val="0"/>
-              </a:spcAft>
-            </a:pPr>
-            <a:r>
-              <a:rPr lang="en-US" sz="2800" dirty="0">
-                <a:gradFill>
-                  <a:gsLst>
-                    <a:gs pos="0">
-                      <a:srgbClr val="FFFFFF"/>
-                    </a:gs>
-                    <a:gs pos="100000">
-                      <a:srgbClr val="FFFFFF"/>
-                    </a:gs>
-                  </a:gsLst>
-                  <a:lin ang="5400000" scaled="0"/>
-                </a:gradFill>
-              </a:rPr>
-              <a:t>Model</a:t>
-            </a:r>
-          </a:p>
-          <a:p>
-            <a:pPr algn="ctr" defTabSz="914099" fontAlgn="base">
-              <a:spcBef>
-                <a:spcPct val="0"/>
-              </a:spcBef>
-              <a:spcAft>
-                <a:spcPct val="0"/>
-              </a:spcAft>
-            </a:pPr>
-            <a:r>
-              <a:rPr lang="en-US" dirty="0">
-                <a:gradFill>
-                  <a:gsLst>
-                    <a:gs pos="0">
-                      <a:srgbClr val="FFFFFF"/>
-                    </a:gs>
-                    <a:gs pos="100000">
-                      <a:srgbClr val="FFFFFF"/>
-                    </a:gs>
-                  </a:gsLst>
-                  <a:lin ang="5400000" scaled="0"/>
-                </a:gradFill>
-              </a:rPr>
-              <a:t>(Data)</a:t>
-            </a:r>
-          </a:p>
-        </p:txBody>
-      </p:sp>
-      <p:sp>
-        <p:nvSpPr>
-          <p:cNvPr id="7" name="Right Arrow 6"/>
-          <p:cNvSpPr/>
-          <p:nvPr/>
-        </p:nvSpPr>
-        <p:spPr bwMode="auto">
-          <a:xfrm>
-            <a:off x="3644387" y="2675011"/>
-            <a:ext cx="882318" cy="882318"/>
-          </a:xfrm>
-          <a:prstGeom prst="rightArrow">
-            <a:avLst/>
-          </a:prstGeom>
-          <a:solidFill>
-            <a:schemeClr val="accent2"/>
-          </a:solidFill>
-          <a:ln>
-            <a:noFill/>
-            <a:headEnd type="none" w="med" len="med"/>
-            <a:tailEnd type="none" w="med" len="med"/>
-          </a:ln>
-          <a:effectLst/>
-        </p:spPr>
-        <p:style>
-          <a:lnRef idx="1">
-            <a:schemeClr val="accent2"/>
-          </a:lnRef>
-          <a:fillRef idx="3">
-            <a:schemeClr val="accent2"/>
-          </a:fillRef>
-          <a:effectRef idx="2">
-            <a:schemeClr val="accent2"/>
-          </a:effectRef>
-          <a:fontRef idx="minor">
-            <a:schemeClr val="lt1"/>
-          </a:fontRef>
-        </p:style>
-        <p:txBody>
-          <a:bodyPr vert="horz" wrap="square" lIns="91436" tIns="45718" rIns="91436" bIns="45718" numCol="1" rtlCol="0" anchor="ctr" anchorCtr="0" compatLnSpc="1">
-            <a:prstTxWarp prst="textNoShape">
-              <a:avLst/>
-            </a:prstTxWarp>
-          </a:bodyPr>
-          <a:lstStyle/>
-          <a:p>
-            <a:pPr algn="ctr" defTabSz="914099" fontAlgn="base">
-              <a:spcBef>
-                <a:spcPct val="0"/>
-              </a:spcBef>
-              <a:spcAft>
-                <a:spcPct val="0"/>
-              </a:spcAft>
-            </a:pPr>
-            <a:endParaRPr lang="en-US" sz="2800" dirty="0">
-              <a:gradFill>
-                <a:gsLst>
-                  <a:gs pos="0">
-                    <a:srgbClr val="FFFFFF"/>
-                  </a:gs>
-                  <a:gs pos="100000">
-                    <a:srgbClr val="FFFFFF"/>
-                  </a:gs>
-                </a:gsLst>
-                <a:lin ang="5400000" scaled="0"/>
-              </a:gradFill>
-            </a:endParaRPr>
-          </a:p>
-        </p:txBody>
-      </p:sp>
-      <p:sp>
-        <p:nvSpPr>
-          <p:cNvPr id="8" name="Right Arrow 7"/>
-          <p:cNvSpPr/>
-          <p:nvPr/>
-        </p:nvSpPr>
-        <p:spPr bwMode="auto">
-          <a:xfrm>
-            <a:off x="7301917" y="2675011"/>
-            <a:ext cx="882318" cy="882318"/>
-          </a:xfrm>
-          <a:prstGeom prst="rightArrow">
-            <a:avLst/>
-          </a:prstGeom>
-          <a:solidFill>
-            <a:schemeClr val="accent2"/>
-          </a:solidFill>
-          <a:ln>
-            <a:noFill/>
-            <a:headEnd type="none" w="med" len="med"/>
-            <a:tailEnd type="none" w="med" len="med"/>
-          </a:ln>
-          <a:effectLst/>
-        </p:spPr>
-        <p:style>
-          <a:lnRef idx="1">
-            <a:schemeClr val="accent2"/>
-          </a:lnRef>
-          <a:fillRef idx="3">
-            <a:schemeClr val="accent2"/>
-          </a:fillRef>
-          <a:effectRef idx="2">
-            <a:schemeClr val="accent2"/>
-          </a:effectRef>
-          <a:fontRef idx="minor">
-            <a:schemeClr val="lt1"/>
-          </a:fontRef>
-        </p:style>
-        <p:txBody>
-          <a:bodyPr vert="horz" wrap="square" lIns="91436" tIns="45718" rIns="91436" bIns="45718" numCol="1" rtlCol="0" anchor="ctr" anchorCtr="0" compatLnSpc="1">
-            <a:prstTxWarp prst="textNoShape">
-              <a:avLst/>
-            </a:prstTxWarp>
-          </a:bodyPr>
-          <a:lstStyle/>
-          <a:p>
-            <a:pPr algn="ctr" defTabSz="914099" fontAlgn="base">
-              <a:spcBef>
-                <a:spcPct val="0"/>
-              </a:spcBef>
-              <a:spcAft>
-                <a:spcPct val="0"/>
-              </a:spcAft>
-            </a:pPr>
-            <a:endParaRPr lang="en-US" sz="2800" dirty="0">
-              <a:gradFill>
-                <a:gsLst>
-                  <a:gs pos="0">
-                    <a:srgbClr val="FFFFFF"/>
-                  </a:gs>
-                  <a:gs pos="100000">
-                    <a:srgbClr val="FFFFFF"/>
-                  </a:gs>
-                </a:gsLst>
-                <a:lin ang="5400000" scaled="0"/>
-              </a:gradFill>
-            </a:endParaRPr>
-          </a:p>
-        </p:txBody>
-      </p:sp>
-    </p:spTree>
-    <p:extLst>
-      <p:ext uri="{BB962C8B-B14F-4D97-AF65-F5344CB8AC3E}">
-        <p14:creationId xmlns:p14="http://schemas.microsoft.com/office/powerpoint/2010/main" val="3937543468"/>
-      </p:ext>
-    </p:extLst>
-  </p:cSld>
-  <p:clrMapOvr>
-    <a:masterClrMapping/>
-  </p:clrMapOvr>
-  <p:transition>
-    <p:fade/>
-  </p:transition>
-  <p:timing>
-    <p:tnLst>
-      <p:par>
-        <p:cTn id="1" dur="indefinite" restart="never" nodeType="tmRoot"/>
-      </p:par>
-    </p:tnLst>
-  </p:timing>
-</p:sld>
-</file>
-
-<file path=ppt/slides/slide6.xml><?xml version="1.0" encoding="utf-8"?>
 <p:sld xmlns:a="http://schemas.openxmlformats.org/drawingml/2006/main" xmlns:r="http://schemas.openxmlformats.org/officeDocument/2006/relationships" xmlns:p="http://schemas.openxmlformats.org/presentationml/2006/main">
   <p:cSld>
     <p:spTree>
@@ -19518,6 +18593,118 @@
 </p:sld>
 </file>
 
+<file path=ppt/slides/slide6.xml><?xml version="1.0" encoding="utf-8"?>
+<p:sld xmlns:a="http://schemas.openxmlformats.org/drawingml/2006/main" xmlns:r="http://schemas.openxmlformats.org/officeDocument/2006/relationships" xmlns:p="http://schemas.openxmlformats.org/presentationml/2006/main">
+  <p:cSld>
+    <p:spTree>
+      <p:nvGrpSpPr>
+        <p:cNvPr id="1" name=""/>
+        <p:cNvGrpSpPr/>
+        <p:nvPr/>
+      </p:nvGrpSpPr>
+      <p:grpSpPr>
+        <a:xfrm>
+          <a:off x="0" y="0"/>
+          <a:ext cx="0" cy="0"/>
+          <a:chOff x="0" y="0"/>
+          <a:chExt cx="0" cy="0"/>
+        </a:xfrm>
+      </p:grpSpPr>
+      <p:sp>
+        <p:nvSpPr>
+          <p:cNvPr id="2" name="Title 1"/>
+          <p:cNvSpPr>
+            <a:spLocks noGrp="1"/>
+          </p:cNvSpPr>
+          <p:nvPr>
+            <p:ph type="ctrTitle"/>
+          </p:nvPr>
+        </p:nvSpPr>
+        <p:spPr/>
+        <p:txBody>
+          <a:bodyPr/>
+          <a:lstStyle/>
+          <a:p>
+            <a:r>
+              <a:rPr lang="en-US" dirty="0" smtClean="0"/>
+              <a:t>Creating a new ASP.NET MVC 4</a:t>
+            </a:r>
+            <a:br>
+              <a:rPr lang="en-US" dirty="0" smtClean="0"/>
+            </a:br>
+            <a:r>
+              <a:rPr lang="en-US" dirty="0" smtClean="0"/>
+              <a:t>Application</a:t>
+            </a:r>
+            <a:endParaRPr lang="en-US" dirty="0"/>
+          </a:p>
+        </p:txBody>
+      </p:sp>
+      <p:sp>
+        <p:nvSpPr>
+          <p:cNvPr id="3" name="Subtitle 2"/>
+          <p:cNvSpPr>
+            <a:spLocks noGrp="1"/>
+          </p:cNvSpPr>
+          <p:nvPr>
+            <p:ph type="subTitle" idx="1"/>
+          </p:nvPr>
+        </p:nvSpPr>
+        <p:spPr/>
+        <p:txBody>
+          <a:bodyPr/>
+          <a:lstStyle/>
+          <a:p>
+            <a:endParaRPr lang="en-US"/>
+          </a:p>
+        </p:txBody>
+      </p:sp>
+      <p:sp>
+        <p:nvSpPr>
+          <p:cNvPr id="4" name="Text Placeholder 3"/>
+          <p:cNvSpPr>
+            <a:spLocks noGrp="1"/>
+          </p:cNvSpPr>
+          <p:nvPr>
+            <p:ph type="body" sz="quarter" idx="10"/>
+          </p:nvPr>
+        </p:nvSpPr>
+        <p:spPr/>
+        <p:txBody>
+          <a:bodyPr/>
+          <a:lstStyle/>
+          <a:p>
+            <a:r>
+              <a:rPr lang="en-US" dirty="0" smtClean="0"/>
+              <a:t>demo…</a:t>
+            </a:r>
+            <a:endParaRPr lang="en-US" dirty="0"/>
+          </a:p>
+        </p:txBody>
+      </p:sp>
+    </p:spTree>
+    <p:extLst>
+      <p:ext uri="{BB962C8B-B14F-4D97-AF65-F5344CB8AC3E}">
+        <p14:creationId xmlns:p14="http://schemas.microsoft.com/office/powerpoint/2010/main" val="1620952086"/>
+      </p:ext>
+    </p:extLst>
+  </p:cSld>
+  <p:clrMapOvr>
+    <a:masterClrMapping/>
+  </p:clrMapOvr>
+  <p:transition>
+    <p:fade/>
+  </p:transition>
+  <p:timing>
+    <p:tnLst>
+      <p:par>
+        <p:cTn id="1" dur="indefinite" restart="never" nodeType="tmRoot"/>
+      </p:par>
+    </p:tnLst>
+  </p:timing>
+</p:sld>
+</file>
+
 <file path=ppt/slides/slide7.xml><?xml version="1.0" encoding="utf-8"?>
 <p:sld xmlns:a="http://schemas.openxmlformats.org/drawingml/2006/main" xmlns:r="http://schemas.openxmlformats.org/officeDocument/2006/relationships" xmlns:p="http://schemas.openxmlformats.org/presentationml/2006/main">
   <p:cSld>
@@ -19552,14 +18739,7 @@
           <a:p>
             <a:r>
               <a:rPr lang="en-US" dirty="0" smtClean="0"/>
-              <a:t>Creating a new ASP.NET MVC 4</a:t>
-            </a:r>
-            <a:br>
-              <a:rPr lang="en-US" dirty="0" smtClean="0"/>
-            </a:br>
-            <a:r>
-              <a:rPr lang="en-US" dirty="0" smtClean="0"/>
-              <a:t>Application</a:t>
+              <a:t>Adding a model, controller, view</a:t>
             </a:r>
             <a:endParaRPr lang="en-US" dirty="0"/>
           </a:p>
@@ -19567,7 +18747,7 @@
       </p:sp>
       <p:sp>
         <p:nvSpPr>
-          <p:cNvPr id="3" name="Subtitle 2"/>
+          <p:cNvPr id="5" name="Subtitle 4"/>
           <p:cNvSpPr>
             <a:spLocks noGrp="1"/>
           </p:cNvSpPr>
@@ -19610,7 +18790,7 @@
     </p:spTree>
     <p:extLst>
       <p:ext uri="{BB962C8B-B14F-4D97-AF65-F5344CB8AC3E}">
-        <p14:creationId xmlns:p14="http://schemas.microsoft.com/office/powerpoint/2010/main" val="1620952086"/>
+        <p14:creationId xmlns:p14="http://schemas.microsoft.com/office/powerpoint/2010/main" val="3235228015"/>
       </p:ext>
     </p:extLst>
   </p:cSld>
@@ -19664,7 +18844,7 @@
           <a:p>
             <a:r>
               <a:rPr lang="en-US" dirty="0" smtClean="0"/>
-              <a:t>Adding a model, controller, view</a:t>
+              <a:t>Entity Framework Code First</a:t>
             </a:r>
             <a:endParaRPr lang="en-US" dirty="0"/>
           </a:p>
@@ -19715,7 +18895,7 @@
     </p:spTree>
     <p:extLst>
       <p:ext uri="{BB962C8B-B14F-4D97-AF65-F5344CB8AC3E}">
-        <p14:creationId xmlns:p14="http://schemas.microsoft.com/office/powerpoint/2010/main" val="3235228015"/>
+        <p14:creationId xmlns:p14="http://schemas.microsoft.com/office/powerpoint/2010/main" val="768705565"/>
       </p:ext>
     </p:extLst>
   </p:cSld>
@@ -19769,7 +18949,7 @@
           <a:p>
             <a:r>
               <a:rPr lang="en-US" dirty="0" smtClean="0"/>
-              <a:t>Entity Framework Code First</a:t>
+              <a:t>Deploying to Windows Azure Web Sites</a:t>
             </a:r>
             <a:endParaRPr lang="en-US" dirty="0"/>
           </a:p>
@@ -19820,7 +19000,7 @@
     </p:spTree>
     <p:extLst>
       <p:ext uri="{BB962C8B-B14F-4D97-AF65-F5344CB8AC3E}">
-        <p14:creationId xmlns:p14="http://schemas.microsoft.com/office/powerpoint/2010/main" val="768705565"/>
+        <p14:creationId xmlns:p14="http://schemas.microsoft.com/office/powerpoint/2010/main" val="156487027"/>
       </p:ext>
     </p:extLst>
   </p:cSld>
@@ -21082,17 +20262,6 @@
 </file>
 
 <file path=customXml/item1.xml><?xml version="1.0" encoding="utf-8"?>
-<p:properties xmlns:p="http://schemas.microsoft.com/office/2006/metadata/properties" xmlns:xsi="http://www.w3.org/2001/XMLSchema-instance" xmlns:pc="http://schemas.microsoft.com/office/infopath/2007/PartnerControls">
-  <documentManagement>
-    <TaxKeywordTaxHTField xmlns="230e9df3-be65-4c73-a93b-d1236ebd677e">
-      <Terms xmlns="http://schemas.microsoft.com/office/infopath/2007/PartnerControls"/>
-    </TaxKeywordTaxHTField>
-    <TaxCatchAll xmlns="230e9df3-be65-4c73-a93b-d1236ebd677e"/>
-  </documentManagement>
-</p:properties>
-</file>
-
-<file path=customXml/item2.xml><?xml version="1.0" encoding="utf-8"?>
 <ct:contentTypeSchema xmlns:ct="http://schemas.microsoft.com/office/2006/metadata/contentType" xmlns:ma="http://schemas.microsoft.com/office/2006/metadata/properties/metaAttributes" ct:_="" ma:_="" ma:contentTypeName="Document" ma:contentTypeID="0x010100CA05B43BE68FE54B90DD26FDFB72BB05" ma:contentTypeVersion="0" ma:contentTypeDescription="Create a new document." ma:contentTypeScope="" ma:versionID="6df1bece345c1749bd9b91e82fa4a03a">
   <xsd:schema xmlns:xsd="http://www.w3.org/2001/XMLSchema" xmlns:xs="http://www.w3.org/2001/XMLSchema" xmlns:p="http://schemas.microsoft.com/office/2006/metadata/properties" xmlns:ns2="230e9df3-be65-4c73-a93b-d1236ebd677e" targetNamespace="http://schemas.microsoft.com/office/2006/metadata/properties" ma:root="true" ma:fieldsID="e317b0b832c9845d3aae3abd1bb0954e" ns2:_="">
     <xsd:import namespace="230e9df3-be65-4c73-a93b-d1236ebd677e"/>
@@ -21244,7 +20413,7 @@
 </ct:contentTypeSchema>
 </file>
 
-<file path=customXml/item3.xml><?xml version="1.0" encoding="utf-8"?>
+<file path=customXml/item2.xml><?xml version="1.0" encoding="utf-8"?>
 <?mso-contentType ?>
 <FormTemplates xmlns="http://schemas.microsoft.com/sharepoint/v3/contenttype/forms">
   <Display>DocumentLibraryForm</Display>
@@ -21253,23 +20422,18 @@
 </FormTemplates>
 </file>
 
-<file path=customXml/itemProps1.xml><?xml version="1.0" encoding="utf-8"?>
-<ds:datastoreItem xmlns:ds="http://schemas.openxmlformats.org/officeDocument/2006/customXml" ds:itemID="{69B2F97D-0457-4986-9734-D03EB073C5EA}">
-  <ds:schemaRefs>
-    <ds:schemaRef ds:uri="http://schemas.microsoft.com/office/infopath/2007/PartnerControls"/>
-    <ds:schemaRef ds:uri="http://purl.org/dc/terms/"/>
-    <ds:schemaRef ds:uri="http://schemas.microsoft.com/office/2006/documentManagement/types"/>
-    <ds:schemaRef ds:uri="http://purl.org/dc/elements/1.1/"/>
-    <ds:schemaRef ds:uri="http://schemas.openxmlformats.org/package/2006/metadata/core-properties"/>
-    <ds:schemaRef ds:uri="230e9df3-be65-4c73-a93b-d1236ebd677e"/>
-    <ds:schemaRef ds:uri="http://schemas.microsoft.com/office/2006/metadata/properties"/>
-    <ds:schemaRef ds:uri="http://www.w3.org/XML/1998/namespace"/>
-    <ds:schemaRef ds:uri="http://purl.org/dc/dcmitype/"/>
-  </ds:schemaRefs>
-</ds:datastoreItem>
+<file path=customXml/item3.xml><?xml version="1.0" encoding="utf-8"?>
+<p:properties xmlns:p="http://schemas.microsoft.com/office/2006/metadata/properties" xmlns:xsi="http://www.w3.org/2001/XMLSchema-instance" xmlns:pc="http://schemas.microsoft.com/office/infopath/2007/PartnerControls">
+  <documentManagement>
+    <TaxKeywordTaxHTField xmlns="230e9df3-be65-4c73-a93b-d1236ebd677e">
+      <Terms xmlns="http://schemas.microsoft.com/office/infopath/2007/PartnerControls"/>
+    </TaxKeywordTaxHTField>
+    <TaxCatchAll xmlns="230e9df3-be65-4c73-a93b-d1236ebd677e"/>
+  </documentManagement>
+</p:properties>
 </file>
 
-<file path=customXml/itemProps2.xml><?xml version="1.0" encoding="utf-8"?>
+<file path=customXml/itemProps1.xml><?xml version="1.0" encoding="utf-8"?>
 <ds:datastoreItem xmlns:ds="http://schemas.openxmlformats.org/officeDocument/2006/customXml" ds:itemID="{8F590144-748D-417B-8B69-088F107B0F98}">
   <ds:schemaRefs>
     <ds:schemaRef ds:uri="http://schemas.microsoft.com/office/2006/metadata/contentType"/>
@@ -21287,10 +20451,26 @@
 </ds:datastoreItem>
 </file>
 
-<file path=customXml/itemProps3.xml><?xml version="1.0" encoding="utf-8"?>
+<file path=customXml/itemProps2.xml><?xml version="1.0" encoding="utf-8"?>
 <ds:datastoreItem xmlns:ds="http://schemas.openxmlformats.org/officeDocument/2006/customXml" ds:itemID="{B882D8D6-9D38-4159-A398-AAC3689D3D7C}">
   <ds:schemaRefs>
     <ds:schemaRef ds:uri="http://schemas.microsoft.com/sharepoint/v3/contenttype/forms"/>
   </ds:schemaRefs>
 </ds:datastoreItem>
+</file>
+
+<file path=customXml/itemProps3.xml><?xml version="1.0" encoding="utf-8"?>
+<ds:datastoreItem xmlns:ds="http://schemas.openxmlformats.org/officeDocument/2006/customXml" ds:itemID="{69B2F97D-0457-4986-9734-D03EB073C5EA}">
+  <ds:schemaRefs>
+    <ds:schemaRef ds:uri="http://schemas.microsoft.com/office/infopath/2007/PartnerControls"/>
+    <ds:schemaRef ds:uri="http://purl.org/dc/terms/"/>
+    <ds:schemaRef ds:uri="http://schemas.microsoft.com/office/2006/documentManagement/types"/>
+    <ds:schemaRef ds:uri="http://purl.org/dc/elements/1.1/"/>
+    <ds:schemaRef ds:uri="http://schemas.openxmlformats.org/package/2006/metadata/core-properties"/>
+    <ds:schemaRef ds:uri="230e9df3-be65-4c73-a93b-d1236ebd677e"/>
+    <ds:schemaRef ds:uri="http://schemas.microsoft.com/office/2006/metadata/properties"/>
+    <ds:schemaRef ds:uri="http://www.w3.org/XML/1998/namespace"/>
+    <ds:schemaRef ds:uri="http://purl.org/dc/dcmitype/"/>
+  </ds:schemaRefs>
+</ds:datastoreItem>
 </file>
--- a/BuildingDeployingMVC4.pptx
+++ b/BuildingDeployingMVC4.pptx
@@ -500,7 +500,7 @@
               <a:rPr lang="en-US" smtClean="0">
                 <a:latin typeface="Segoe UI" pitchFamily="34" charset="0"/>
               </a:rPr>
-              <a:t>11/30/2012</a:t>
+              <a:t>12/20/2012</a:t>
             </a:fld>
             <a:endParaRPr lang="en-US" dirty="0">
               <a:latin typeface="Segoe UI" pitchFamily="34" charset="0"/>
@@ -682,7 +682,7 @@
             <a:fld id="{CAE3F082-F902-42D8-A765-720E172C3194}" type="datetimeFigureOut">
               <a:rPr lang="en-US" smtClean="0"/>
               <a:pPr/>
-              <a:t>11/30/2012</a:t>
+              <a:t>12/20/2012</a:t>
             </a:fld>
             <a:endParaRPr lang="en-US" dirty="0"/>
           </a:p>
@@ -1003,7 +1003,6 @@
               <a:rPr lang="en-US" baseline="0" dirty="0" smtClean="0"/>
               <a:t>Main thing from this slide: MVC builds on the same ASP.NET core as ASP.NET Web Forms, Web Pages, etc.</a:t>
             </a:r>
-            <a:endParaRPr lang="en-US" baseline="0" dirty="0" smtClean="0"/>
           </a:p>
         </p:txBody>
       </p:sp>
@@ -1507,11 +1506,7 @@
             </a:r>
             <a:r>
               <a:rPr lang="en-US" baseline="0" dirty="0" smtClean="0"/>
-              <a:t> </a:t>
-            </a:r>
-            <a:r>
-              <a:rPr lang="en-US" baseline="0" dirty="0" smtClean="0"/>
-              <a:t>property</a:t>
+              <a:t> property</a:t>
             </a:r>
           </a:p>
           <a:p>
@@ -4390,40 +4385,6 @@
           <a:chExt cx="0" cy="0"/>
         </a:xfrm>
       </p:grpSpPr>
-      <p:pic>
-        <p:nvPicPr>
-          <p:cNvPr id="2" name="Picture 2"/>
-          <p:cNvPicPr>
-            <a:picLocks noChangeAspect="1" noChangeArrowheads="1"/>
-          </p:cNvPicPr>
-          <p:nvPr userDrawn="1"/>
-        </p:nvPicPr>
-        <p:blipFill>
-          <a:blip r:embed="rId3">
-            <a:extLst>
-              <a:ext uri="{28A0092B-C50C-407E-A947-70E740481C1C}">
-                <a14:useLocalDpi xmlns:a14="http://schemas.microsoft.com/office/drawing/2010/main" val="0"/>
-              </a:ext>
-            </a:extLst>
-          </a:blip>
-          <a:stretch>
-            <a:fillRect/>
-          </a:stretch>
-        </p:blipFill>
-        <p:spPr bwMode="black">
-          <a:xfrm>
-            <a:off x="4321174" y="3140274"/>
-            <a:ext cx="3546476" cy="577452"/>
-          </a:xfrm>
-          <a:prstGeom prst="rect">
-            <a:avLst/>
-          </a:prstGeom>
-          <a:noFill/>
-          <a:ln>
-            <a:noFill/>
-          </a:ln>
-        </p:spPr>
-      </p:pic>
       <p:sp>
         <p:nvSpPr>
           <p:cNvPr id="3" name="Text Box 3"/>
@@ -4537,6 +4498,36 @@
           </a:p>
         </p:txBody>
       </p:sp>
+      <p:pic>
+        <p:nvPicPr>
+          <p:cNvPr id="4" name="Picture 3"/>
+          <p:cNvPicPr>
+            <a:picLocks noChangeAspect="1"/>
+          </p:cNvPicPr>
+          <p:nvPr userDrawn="1"/>
+        </p:nvPicPr>
+        <p:blipFill>
+          <a:blip r:embed="rId3" cstate="print">
+            <a:extLst>
+              <a:ext uri="{28A0092B-C50C-407E-A947-70E740481C1C}">
+                <a14:useLocalDpi xmlns:a14="http://schemas.microsoft.com/office/drawing/2010/main" val="0"/>
+              </a:ext>
+            </a:extLst>
+          </a:blip>
+          <a:stretch>
+            <a:fillRect/>
+          </a:stretch>
+        </p:blipFill>
+        <p:spPr bwMode="invGray">
+          <a:xfrm>
+            <a:off x="4482902" y="3072036"/>
+            <a:ext cx="3223021" cy="690417"/>
+          </a:xfrm>
+          <a:prstGeom prst="rect">
+            <a:avLst/>
+          </a:prstGeom>
+        </p:spPr>
+      </p:pic>
     </p:spTree>
     <p:extLst>
       <p:ext uri="{BB962C8B-B14F-4D97-AF65-F5344CB8AC3E}">
@@ -11804,23 +11795,6 @@
                 </a:rPr>
               </a:br>
               <a:r>
-                <a:rPr lang="en-US" sz="2600" spc="-100" dirty="0" err="1">
-                  <a:gradFill>
-                    <a:gsLst>
-                      <a:gs pos="0">
-                        <a:srgbClr val="595959"/>
-                      </a:gs>
-                      <a:gs pos="86000">
-                        <a:srgbClr val="595959"/>
-                      </a:gs>
-                    </a:gsLst>
-                    <a:lin ang="5400000" scaled="0"/>
-                  </a:gradFill>
-                  <a:latin typeface="Segoe UI Light" pitchFamily="34" charset="0"/>
-                </a:rPr>
-                <a:t>Hashtag</a:t>
-              </a:r>
-              <a:r>
                 <a:rPr lang="en-US" sz="2600" spc="-100" dirty="0">
                   <a:gradFill>
                     <a:gsLst>
@@ -11835,7 +11809,7 @@
                   </a:gradFill>
                   <a:latin typeface="Segoe UI Light" pitchFamily="34" charset="0"/>
                 </a:rPr>
-                <a:t> </a:t>
+                <a:t>Hashtag </a:t>
               </a:r>
               <a:r>
                 <a:rPr lang="en-US" sz="2600" spc="-100" dirty="0" smtClean="0">
@@ -11855,7 +11829,7 @@
                 <a:t>#</a:t>
               </a:r>
               <a:r>
-                <a:rPr lang="en-US" sz="2600" spc="-100" smtClean="0">
+                <a:rPr lang="en-US" sz="2600" spc="-100" dirty="0" err="1" smtClean="0">
                   <a:gradFill>
                     <a:gsLst>
                       <a:gs pos="0">
@@ -11897,7 +11871,7 @@
                 <a:buSzPct val="80000"/>
               </a:pPr>
               <a:r>
-                <a:rPr lang="en-US" sz="2600" spc="-100" dirty="0">
+                <a:rPr lang="en-US" sz="2600" spc="-100" dirty="0" smtClean="0">
                   <a:gradFill>
                     <a:gsLst>
                       <a:gs pos="0">
@@ -11911,8 +11885,22 @@
                   </a:gradFill>
                   <a:latin typeface="Segoe UI Light" pitchFamily="34" charset="0"/>
                 </a:rPr>
-                <a:t>SPEAKER NAME/HANDLE HERE</a:t>
+                <a:t>[Speaker] / [Twitter]</a:t>
               </a:r>
+              <a:endParaRPr lang="en-US" sz="2600" spc="-100" dirty="0">
+                <a:gradFill>
+                  <a:gsLst>
+                    <a:gs pos="0">
+                      <a:srgbClr val="595959"/>
+                    </a:gs>
+                    <a:gs pos="86000">
+                      <a:srgbClr val="595959"/>
+                    </a:gs>
+                  </a:gsLst>
+                  <a:lin ang="5400000" scaled="0"/>
+                </a:gradFill>
+                <a:latin typeface="Segoe UI Light" pitchFamily="34" charset="0"/>
+              </a:endParaRPr>
             </a:p>
           </p:txBody>
         </p:sp>
@@ -13789,7 +13777,7 @@
           <a:graphicData uri="http://schemas.openxmlformats.org/presentationml/2006/ole">
             <mc:AlternateContent xmlns:mc="http://schemas.openxmlformats.org/markup-compatibility/2006">
               <mc:Choice xmlns:v="urn:schemas-microsoft-com:vml" Requires="v">
-                <p:oleObj spid="_x0000_s58497" name="think-cell Slide" r:id="rId5" imgW="270" imgH="270" progId="TCLayout.ActiveDocument.1">
+                <p:oleObj spid="_x0000_s58498" name="think-cell Slide" r:id="rId5" imgW="270" imgH="270" progId="TCLayout.ActiveDocument.1">
                   <p:embed/>
                 </p:oleObj>
               </mc:Choice>
@@ -13898,7 +13886,7 @@
           <a:graphicData uri="http://schemas.openxmlformats.org/presentationml/2006/ole">
             <mc:AlternateContent xmlns:mc="http://schemas.openxmlformats.org/markup-compatibility/2006">
               <mc:Choice xmlns:v="urn:schemas-microsoft-com:vml" Requires="v">
-                <p:oleObj spid="_x0000_s59516" name="think-cell Slide" r:id="rId4" imgW="270" imgH="270" progId="TCLayout.ActiveDocument.1">
+                <p:oleObj spid="_x0000_s59517" name="think-cell Slide" r:id="rId4" imgW="270" imgH="270" progId="TCLayout.ActiveDocument.1">
                   <p:embed/>
                 </p:oleObj>
               </mc:Choice>
@@ -13971,26 +13959,25 @@
             <p:ph type="body" sz="quarter" idx="11"/>
           </p:nvPr>
         </p:nvSpPr>
-        <p:spPr/>
+        <p:spPr>
+          <a:xfrm>
+            <a:off x="519113" y="5460240"/>
+            <a:ext cx="5454333" cy="738664"/>
+          </a:xfrm>
+        </p:spPr>
         <p:txBody>
           <a:bodyPr/>
           <a:lstStyle/>
           <a:p>
             <a:r>
-              <a:rPr lang="en-US" smtClean="0"/>
-              <a:t>Name</a:t>
-            </a:r>
-          </a:p>
-          <a:p>
-            <a:r>
-              <a:rPr lang="en-US" smtClean="0"/>
-              <a:t>Title</a:t>
-            </a:r>
-          </a:p>
-          <a:p>
-            <a:r>
-              <a:rPr lang="en-US" smtClean="0"/>
-              <a:t>Microsoft Corporation</a:t>
+              <a:rPr lang="en-US" dirty="0" smtClean="0"/>
+              <a:t>[Speaker]</a:t>
+            </a:r>
+          </a:p>
+          <a:p>
+            <a:r>
+              <a:rPr lang="en-US" dirty="0" smtClean="0"/>
+              <a:t>[Company]</a:t>
             </a:r>
             <a:endParaRPr lang="en-US" dirty="0"/>
           </a:p>
@@ -14070,7 +14057,7 @@
           <a:graphicData uri="http://schemas.openxmlformats.org/presentationml/2006/ole">
             <mc:AlternateContent xmlns:mc="http://schemas.openxmlformats.org/markup-compatibility/2006">
               <mc:Choice xmlns:v="urn:schemas-microsoft-com:vml" Requires="v">
-                <p:oleObj spid="_x0000_s23682" name="think-cell Slide" r:id="rId6" imgW="270" imgH="270" progId="TCLayout.ActiveDocument.1">
+                <p:oleObj spid="_x0000_s23683" name="think-cell Slide" r:id="rId6" imgW="270" imgH="270" progId="TCLayout.ActiveDocument.1">
                   <p:embed/>
                 </p:oleObj>
               </mc:Choice>
@@ -20414,15 +20401,6 @@
 </file>
 
 <file path=customXml/item2.xml><?xml version="1.0" encoding="utf-8"?>
-<?mso-contentType ?>
-<FormTemplates xmlns="http://schemas.microsoft.com/sharepoint/v3/contenttype/forms">
-  <Display>DocumentLibraryForm</Display>
-  <Edit>DocumentLibraryForm</Edit>
-  <New>DocumentLibraryForm</New>
-</FormTemplates>
-</file>
-
-<file path=customXml/item3.xml><?xml version="1.0" encoding="utf-8"?>
 <p:properties xmlns:p="http://schemas.microsoft.com/office/2006/metadata/properties" xmlns:xsi="http://www.w3.org/2001/XMLSchema-instance" xmlns:pc="http://schemas.microsoft.com/office/infopath/2007/PartnerControls">
   <documentManagement>
     <TaxKeywordTaxHTField xmlns="230e9df3-be65-4c73-a93b-d1236ebd677e">
@@ -20431,6 +20409,15 @@
     <TaxCatchAll xmlns="230e9df3-be65-4c73-a93b-d1236ebd677e"/>
   </documentManagement>
 </p:properties>
+</file>
+
+<file path=customXml/item3.xml><?xml version="1.0" encoding="utf-8"?>
+<?mso-contentType ?>
+<FormTemplates xmlns="http://schemas.microsoft.com/sharepoint/v3/contenttype/forms">
+  <Display>DocumentLibraryForm</Display>
+  <Edit>DocumentLibraryForm</Edit>
+  <New>DocumentLibraryForm</New>
+</FormTemplates>
 </file>
 
 <file path=customXml/itemProps1.xml><?xml version="1.0" encoding="utf-8"?>
@@ -20452,14 +20439,6 @@
 </file>
 
 <file path=customXml/itemProps2.xml><?xml version="1.0" encoding="utf-8"?>
-<ds:datastoreItem xmlns:ds="http://schemas.openxmlformats.org/officeDocument/2006/customXml" ds:itemID="{B882D8D6-9D38-4159-A398-AAC3689D3D7C}">
-  <ds:schemaRefs>
-    <ds:schemaRef ds:uri="http://schemas.microsoft.com/sharepoint/v3/contenttype/forms"/>
-  </ds:schemaRefs>
-</ds:datastoreItem>
-</file>
-
-<file path=customXml/itemProps3.xml><?xml version="1.0" encoding="utf-8"?>
 <ds:datastoreItem xmlns:ds="http://schemas.openxmlformats.org/officeDocument/2006/customXml" ds:itemID="{69B2F97D-0457-4986-9734-D03EB073C5EA}">
   <ds:schemaRefs>
     <ds:schemaRef ds:uri="http://schemas.microsoft.com/office/infopath/2007/PartnerControls"/>
@@ -20473,4 +20452,12 @@
     <ds:schemaRef ds:uri="http://purl.org/dc/dcmitype/"/>
   </ds:schemaRefs>
 </ds:datastoreItem>
+</file>
+
+<file path=customXml/itemProps3.xml><?xml version="1.0" encoding="utf-8"?>
+<ds:datastoreItem xmlns:ds="http://schemas.openxmlformats.org/officeDocument/2006/customXml" ds:itemID="{B882D8D6-9D38-4159-A398-AAC3689D3D7C}">
+  <ds:schemaRefs>
+    <ds:schemaRef ds:uri="http://schemas.microsoft.com/sharepoint/v3/contenttype/forms"/>
+  </ds:schemaRefs>
+</ds:datastoreItem>
 </file>